--- a/Presentation/Praesentation.pptx
+++ b/Presentation/Praesentation.pptx
@@ -21,6 +21,9 @@
     <p:sldId id="266" r:id="rId18"/>
     <p:sldId id="267" r:id="rId19"/>
     <p:sldId id="268" r:id="rId20"/>
+    <p:sldId id="269" r:id="rId21"/>
+    <p:sldId id="270" r:id="rId22"/>
+    <p:sldId id="271" r:id="rId23"/>
   </p:sldIdLst>
   <p:sldSz cx="13004800" cy="9753600"/>
   <p:notesSz cx="6858000" cy="9144000"/>
@@ -277,6 +280,1101 @@
     </a:lvl9pPr>
   </p:notesStyle>
 </p:notesMaster>
+</file>
+
+<file path=ppt/notesSlides/notesSlide1.xml><?xml version="1.0" encoding="utf-8"?>
+<p:notes xmlns:a="http://schemas.openxmlformats.org/drawingml/2006/main" xmlns:r="http://schemas.openxmlformats.org/officeDocument/2006/relationships" xmlns:p="http://schemas.openxmlformats.org/presentationml/2006/main" showMasterSp="1" showMasterPhAnim="1">
+  <p:cSld>
+    <p:spTree>
+      <p:nvGrpSpPr>
+        <p:cNvPr id="1" name=""/>
+        <p:cNvGrpSpPr/>
+        <p:nvPr/>
+      </p:nvGrpSpPr>
+      <p:grpSpPr>
+        <a:xfrm>
+          <a:off x="0" y="0"/>
+          <a:ext cx="0" cy="0"/>
+          <a:chOff x="0" y="0"/>
+          <a:chExt cx="0" cy="0"/>
+        </a:xfrm>
+      </p:grpSpPr>
+      <p:sp>
+        <p:nvSpPr>
+          <p:cNvPr id="39" name="Shape 39"/>
+          <p:cNvSpPr/>
+          <p:nvPr>
+            <p:ph type="sldImg"/>
+          </p:nvPr>
+        </p:nvSpPr>
+        <p:spPr>
+          <a:prstGeom prst="rect">
+            <a:avLst/>
+          </a:prstGeom>
+        </p:spPr>
+        <p:txBody>
+          <a:bodyPr/>
+          <a:lstStyle/>
+          <a:p>
+            <a:pPr lvl="0"/>
+          </a:p>
+        </p:txBody>
+      </p:sp>
+      <p:sp>
+        <p:nvSpPr>
+          <p:cNvPr id="40" name="Shape 40"/>
+          <p:cNvSpPr/>
+          <p:nvPr>
+            <p:ph type="body" sz="quarter" idx="1"/>
+          </p:nvPr>
+        </p:nvSpPr>
+        <p:spPr>
+          <a:prstGeom prst="rect">
+            <a:avLst/>
+          </a:prstGeom>
+        </p:spPr>
+        <p:txBody>
+          <a:bodyPr/>
+          <a:lstStyle/>
+          <a:p>
+            <a:pPr lvl="0">
+              <a:defRPr sz="1800"/>
+            </a:pPr>
+            <a:r>
+              <a:rPr sz="2200"/>
+              <a:t>Tobias</a:t>
+            </a:r>
+          </a:p>
+        </p:txBody>
+      </p:sp>
+    </p:spTree>
+  </p:cSld>
+  <p:clrMapOvr>
+    <a:masterClrMapping/>
+  </p:clrMapOvr>
+</p:notes>
+</file>
+
+<file path=ppt/notesSlides/notesSlide10.xml><?xml version="1.0" encoding="utf-8"?>
+<p:notes xmlns:a="http://schemas.openxmlformats.org/drawingml/2006/main" xmlns:r="http://schemas.openxmlformats.org/officeDocument/2006/relationships" xmlns:p="http://schemas.openxmlformats.org/presentationml/2006/main" showMasterSp="1" showMasterPhAnim="1">
+  <p:cSld>
+    <p:spTree>
+      <p:nvGrpSpPr>
+        <p:cNvPr id="1" name=""/>
+        <p:cNvGrpSpPr/>
+        <p:nvPr/>
+      </p:nvGrpSpPr>
+      <p:grpSpPr>
+        <a:xfrm>
+          <a:off x="0" y="0"/>
+          <a:ext cx="0" cy="0"/>
+          <a:chOff x="0" y="0"/>
+          <a:chExt cx="0" cy="0"/>
+        </a:xfrm>
+      </p:grpSpPr>
+      <p:sp>
+        <p:nvSpPr>
+          <p:cNvPr id="126" name="Shape 126"/>
+          <p:cNvSpPr/>
+          <p:nvPr>
+            <p:ph type="sldImg"/>
+          </p:nvPr>
+        </p:nvSpPr>
+        <p:spPr>
+          <a:prstGeom prst="rect">
+            <a:avLst/>
+          </a:prstGeom>
+        </p:spPr>
+        <p:txBody>
+          <a:bodyPr/>
+          <a:lstStyle/>
+          <a:p>
+            <a:pPr lvl="0"/>
+          </a:p>
+        </p:txBody>
+      </p:sp>
+      <p:sp>
+        <p:nvSpPr>
+          <p:cNvPr id="127" name="Shape 127"/>
+          <p:cNvSpPr/>
+          <p:nvPr>
+            <p:ph type="body" sz="quarter" idx="1"/>
+          </p:nvPr>
+        </p:nvSpPr>
+        <p:spPr>
+          <a:prstGeom prst="rect">
+            <a:avLst/>
+          </a:prstGeom>
+        </p:spPr>
+        <p:txBody>
+          <a:bodyPr/>
+          <a:lstStyle/>
+          <a:p>
+            <a:pPr lvl="0">
+              <a:defRPr sz="1800"/>
+            </a:pPr>
+            <a:r>
+              <a:rPr sz="2200"/>
+              <a:t>Tobias</a:t>
+            </a:r>
+          </a:p>
+        </p:txBody>
+      </p:sp>
+    </p:spTree>
+  </p:cSld>
+  <p:clrMapOvr>
+    <a:masterClrMapping/>
+  </p:clrMapOvr>
+</p:notes>
+</file>
+
+<file path=ppt/notesSlides/notesSlide11.xml><?xml version="1.0" encoding="utf-8"?>
+<p:notes xmlns:a="http://schemas.openxmlformats.org/drawingml/2006/main" xmlns:r="http://schemas.openxmlformats.org/officeDocument/2006/relationships" xmlns:p="http://schemas.openxmlformats.org/presentationml/2006/main" showMasterSp="1" showMasterPhAnim="1">
+  <p:cSld>
+    <p:spTree>
+      <p:nvGrpSpPr>
+        <p:cNvPr id="1" name=""/>
+        <p:cNvGrpSpPr/>
+        <p:nvPr/>
+      </p:nvGrpSpPr>
+      <p:grpSpPr>
+        <a:xfrm>
+          <a:off x="0" y="0"/>
+          <a:ext cx="0" cy="0"/>
+          <a:chOff x="0" y="0"/>
+          <a:chExt cx="0" cy="0"/>
+        </a:xfrm>
+      </p:grpSpPr>
+      <p:sp>
+        <p:nvSpPr>
+          <p:cNvPr id="135" name="Shape 135"/>
+          <p:cNvSpPr/>
+          <p:nvPr>
+            <p:ph type="sldImg"/>
+          </p:nvPr>
+        </p:nvSpPr>
+        <p:spPr>
+          <a:prstGeom prst="rect">
+            <a:avLst/>
+          </a:prstGeom>
+        </p:spPr>
+        <p:txBody>
+          <a:bodyPr/>
+          <a:lstStyle/>
+          <a:p>
+            <a:pPr lvl="0"/>
+          </a:p>
+        </p:txBody>
+      </p:sp>
+      <p:sp>
+        <p:nvSpPr>
+          <p:cNvPr id="136" name="Shape 136"/>
+          <p:cNvSpPr/>
+          <p:nvPr>
+            <p:ph type="body" sz="quarter" idx="1"/>
+          </p:nvPr>
+        </p:nvSpPr>
+        <p:spPr>
+          <a:prstGeom prst="rect">
+            <a:avLst/>
+          </a:prstGeom>
+        </p:spPr>
+        <p:txBody>
+          <a:bodyPr/>
+          <a:lstStyle/>
+          <a:p>
+            <a:pPr lvl="0">
+              <a:defRPr sz="1800"/>
+            </a:pPr>
+            <a:r>
+              <a:rPr sz="2200"/>
+              <a:t>Tobias	</a:t>
+            </a:r>
+          </a:p>
+        </p:txBody>
+      </p:sp>
+    </p:spTree>
+  </p:cSld>
+  <p:clrMapOvr>
+    <a:masterClrMapping/>
+  </p:clrMapOvr>
+</p:notes>
+</file>
+
+<file path=ppt/notesSlides/notesSlide12.xml><?xml version="1.0" encoding="utf-8"?>
+<p:notes xmlns:a="http://schemas.openxmlformats.org/drawingml/2006/main" xmlns:r="http://schemas.openxmlformats.org/officeDocument/2006/relationships" xmlns:p="http://schemas.openxmlformats.org/presentationml/2006/main" showMasterSp="1" showMasterPhAnim="1">
+  <p:cSld>
+    <p:spTree>
+      <p:nvGrpSpPr>
+        <p:cNvPr id="1" name=""/>
+        <p:cNvGrpSpPr/>
+        <p:nvPr/>
+      </p:nvGrpSpPr>
+      <p:grpSpPr>
+        <a:xfrm>
+          <a:off x="0" y="0"/>
+          <a:ext cx="0" cy="0"/>
+          <a:chOff x="0" y="0"/>
+          <a:chExt cx="0" cy="0"/>
+        </a:xfrm>
+      </p:grpSpPr>
+      <p:sp>
+        <p:nvSpPr>
+          <p:cNvPr id="144" name="Shape 144"/>
+          <p:cNvSpPr/>
+          <p:nvPr>
+            <p:ph type="sldImg"/>
+          </p:nvPr>
+        </p:nvSpPr>
+        <p:spPr>
+          <a:prstGeom prst="rect">
+            <a:avLst/>
+          </a:prstGeom>
+        </p:spPr>
+        <p:txBody>
+          <a:bodyPr/>
+          <a:lstStyle/>
+          <a:p>
+            <a:pPr lvl="0"/>
+          </a:p>
+        </p:txBody>
+      </p:sp>
+      <p:sp>
+        <p:nvSpPr>
+          <p:cNvPr id="145" name="Shape 145"/>
+          <p:cNvSpPr/>
+          <p:nvPr>
+            <p:ph type="body" sz="quarter" idx="1"/>
+          </p:nvPr>
+        </p:nvSpPr>
+        <p:spPr>
+          <a:prstGeom prst="rect">
+            <a:avLst/>
+          </a:prstGeom>
+        </p:spPr>
+        <p:txBody>
+          <a:bodyPr/>
+          <a:lstStyle/>
+          <a:p>
+            <a:pPr lvl="0">
+              <a:defRPr sz="1800"/>
+            </a:pPr>
+            <a:r>
+              <a:rPr sz="2200"/>
+              <a:t>Tobias</a:t>
+            </a:r>
+          </a:p>
+        </p:txBody>
+      </p:sp>
+    </p:spTree>
+  </p:cSld>
+  <p:clrMapOvr>
+    <a:masterClrMapping/>
+  </p:clrMapOvr>
+</p:notes>
+</file>
+
+<file path=ppt/notesSlides/notesSlide13.xml><?xml version="1.0" encoding="utf-8"?>
+<p:notes xmlns:a="http://schemas.openxmlformats.org/drawingml/2006/main" xmlns:r="http://schemas.openxmlformats.org/officeDocument/2006/relationships" xmlns:p="http://schemas.openxmlformats.org/presentationml/2006/main" showMasterSp="1" showMasterPhAnim="1">
+  <p:cSld>
+    <p:spTree>
+      <p:nvGrpSpPr>
+        <p:cNvPr id="1" name=""/>
+        <p:cNvGrpSpPr/>
+        <p:nvPr/>
+      </p:nvGrpSpPr>
+      <p:grpSpPr>
+        <a:xfrm>
+          <a:off x="0" y="0"/>
+          <a:ext cx="0" cy="0"/>
+          <a:chOff x="0" y="0"/>
+          <a:chExt cx="0" cy="0"/>
+        </a:xfrm>
+      </p:grpSpPr>
+      <p:sp>
+        <p:nvSpPr>
+          <p:cNvPr id="150" name="Shape 150"/>
+          <p:cNvSpPr/>
+          <p:nvPr>
+            <p:ph type="sldImg"/>
+          </p:nvPr>
+        </p:nvSpPr>
+        <p:spPr>
+          <a:prstGeom prst="rect">
+            <a:avLst/>
+          </a:prstGeom>
+        </p:spPr>
+        <p:txBody>
+          <a:bodyPr/>
+          <a:lstStyle/>
+          <a:p>
+            <a:pPr lvl="0"/>
+          </a:p>
+        </p:txBody>
+      </p:sp>
+      <p:sp>
+        <p:nvSpPr>
+          <p:cNvPr id="151" name="Shape 151"/>
+          <p:cNvSpPr/>
+          <p:nvPr>
+            <p:ph type="body" sz="quarter" idx="1"/>
+          </p:nvPr>
+        </p:nvSpPr>
+        <p:spPr>
+          <a:prstGeom prst="rect">
+            <a:avLst/>
+          </a:prstGeom>
+        </p:spPr>
+        <p:txBody>
+          <a:bodyPr/>
+          <a:lstStyle/>
+          <a:p>
+            <a:pPr lvl="0">
+              <a:defRPr sz="1800"/>
+            </a:pPr>
+            <a:r>
+              <a:rPr sz="2200"/>
+              <a:t>André</a:t>
+            </a:r>
+          </a:p>
+        </p:txBody>
+      </p:sp>
+    </p:spTree>
+  </p:cSld>
+  <p:clrMapOvr>
+    <a:masterClrMapping/>
+  </p:clrMapOvr>
+</p:notes>
+</file>
+
+<file path=ppt/notesSlides/notesSlide14.xml><?xml version="1.0" encoding="utf-8"?>
+<p:notes xmlns:a="http://schemas.openxmlformats.org/drawingml/2006/main" xmlns:r="http://schemas.openxmlformats.org/officeDocument/2006/relationships" xmlns:p="http://schemas.openxmlformats.org/presentationml/2006/main" showMasterSp="1" showMasterPhAnim="1">
+  <p:cSld>
+    <p:spTree>
+      <p:nvGrpSpPr>
+        <p:cNvPr id="1" name=""/>
+        <p:cNvGrpSpPr/>
+        <p:nvPr/>
+      </p:nvGrpSpPr>
+      <p:grpSpPr>
+        <a:xfrm>
+          <a:off x="0" y="0"/>
+          <a:ext cx="0" cy="0"/>
+          <a:chOff x="0" y="0"/>
+          <a:chExt cx="0" cy="0"/>
+        </a:xfrm>
+      </p:grpSpPr>
+      <p:sp>
+        <p:nvSpPr>
+          <p:cNvPr id="156" name="Shape 156"/>
+          <p:cNvSpPr/>
+          <p:nvPr>
+            <p:ph type="sldImg"/>
+          </p:nvPr>
+        </p:nvSpPr>
+        <p:spPr>
+          <a:prstGeom prst="rect">
+            <a:avLst/>
+          </a:prstGeom>
+        </p:spPr>
+        <p:txBody>
+          <a:bodyPr/>
+          <a:lstStyle/>
+          <a:p>
+            <a:pPr lvl="0"/>
+          </a:p>
+        </p:txBody>
+      </p:sp>
+      <p:sp>
+        <p:nvSpPr>
+          <p:cNvPr id="157" name="Shape 157"/>
+          <p:cNvSpPr/>
+          <p:nvPr>
+            <p:ph type="body" sz="quarter" idx="1"/>
+          </p:nvPr>
+        </p:nvSpPr>
+        <p:spPr>
+          <a:prstGeom prst="rect">
+            <a:avLst/>
+          </a:prstGeom>
+        </p:spPr>
+        <p:txBody>
+          <a:bodyPr/>
+          <a:lstStyle/>
+          <a:p>
+            <a:pPr lvl="0">
+              <a:defRPr sz="1800"/>
+            </a:pPr>
+            <a:r>
+              <a:rPr sz="2200"/>
+              <a:t>André</a:t>
+            </a:r>
+          </a:p>
+        </p:txBody>
+      </p:sp>
+    </p:spTree>
+  </p:cSld>
+  <p:clrMapOvr>
+    <a:masterClrMapping/>
+  </p:clrMapOvr>
+</p:notes>
+</file>
+
+<file path=ppt/notesSlides/notesSlide15.xml><?xml version="1.0" encoding="utf-8"?>
+<p:notes xmlns:a="http://schemas.openxmlformats.org/drawingml/2006/main" xmlns:r="http://schemas.openxmlformats.org/officeDocument/2006/relationships" xmlns:p="http://schemas.openxmlformats.org/presentationml/2006/main" showMasterSp="1" showMasterPhAnim="1">
+  <p:cSld>
+    <p:spTree>
+      <p:nvGrpSpPr>
+        <p:cNvPr id="1" name=""/>
+        <p:cNvGrpSpPr/>
+        <p:nvPr/>
+      </p:nvGrpSpPr>
+      <p:grpSpPr>
+        <a:xfrm>
+          <a:off x="0" y="0"/>
+          <a:ext cx="0" cy="0"/>
+          <a:chOff x="0" y="0"/>
+          <a:chExt cx="0" cy="0"/>
+        </a:xfrm>
+      </p:grpSpPr>
+      <p:sp>
+        <p:nvSpPr>
+          <p:cNvPr id="162" name="Shape 162"/>
+          <p:cNvSpPr/>
+          <p:nvPr>
+            <p:ph type="sldImg"/>
+          </p:nvPr>
+        </p:nvSpPr>
+        <p:spPr>
+          <a:prstGeom prst="rect">
+            <a:avLst/>
+          </a:prstGeom>
+        </p:spPr>
+        <p:txBody>
+          <a:bodyPr/>
+          <a:lstStyle/>
+          <a:p>
+            <a:pPr lvl="0"/>
+          </a:p>
+        </p:txBody>
+      </p:sp>
+      <p:sp>
+        <p:nvSpPr>
+          <p:cNvPr id="163" name="Shape 163"/>
+          <p:cNvSpPr/>
+          <p:nvPr>
+            <p:ph type="body" sz="quarter" idx="1"/>
+          </p:nvPr>
+        </p:nvSpPr>
+        <p:spPr>
+          <a:prstGeom prst="rect">
+            <a:avLst/>
+          </a:prstGeom>
+        </p:spPr>
+        <p:txBody>
+          <a:bodyPr/>
+          <a:lstStyle/>
+          <a:p>
+            <a:pPr lvl="0">
+              <a:defRPr sz="1800"/>
+            </a:pPr>
+            <a:r>
+              <a:rPr sz="2200"/>
+              <a:t>Attila</a:t>
+            </a:r>
+          </a:p>
+        </p:txBody>
+      </p:sp>
+    </p:spTree>
+  </p:cSld>
+  <p:clrMapOvr>
+    <a:masterClrMapping/>
+  </p:clrMapOvr>
+</p:notes>
+</file>
+
+<file path=ppt/notesSlides/notesSlide2.xml><?xml version="1.0" encoding="utf-8"?>
+<p:notes xmlns:a="http://schemas.openxmlformats.org/drawingml/2006/main" xmlns:r="http://schemas.openxmlformats.org/officeDocument/2006/relationships" xmlns:p="http://schemas.openxmlformats.org/presentationml/2006/main" showMasterSp="1" showMasterPhAnim="1">
+  <p:cSld>
+    <p:spTree>
+      <p:nvGrpSpPr>
+        <p:cNvPr id="1" name=""/>
+        <p:cNvGrpSpPr/>
+        <p:nvPr/>
+      </p:nvGrpSpPr>
+      <p:grpSpPr>
+        <a:xfrm>
+          <a:off x="0" y="0"/>
+          <a:ext cx="0" cy="0"/>
+          <a:chOff x="0" y="0"/>
+          <a:chExt cx="0" cy="0"/>
+        </a:xfrm>
+      </p:grpSpPr>
+      <p:sp>
+        <p:nvSpPr>
+          <p:cNvPr id="57" name="Shape 57"/>
+          <p:cNvSpPr/>
+          <p:nvPr>
+            <p:ph type="sldImg"/>
+          </p:nvPr>
+        </p:nvSpPr>
+        <p:spPr>
+          <a:prstGeom prst="rect">
+            <a:avLst/>
+          </a:prstGeom>
+        </p:spPr>
+        <p:txBody>
+          <a:bodyPr/>
+          <a:lstStyle/>
+          <a:p>
+            <a:pPr lvl="0"/>
+          </a:p>
+        </p:txBody>
+      </p:sp>
+      <p:sp>
+        <p:nvSpPr>
+          <p:cNvPr id="58" name="Shape 58"/>
+          <p:cNvSpPr/>
+          <p:nvPr>
+            <p:ph type="body" sz="quarter" idx="1"/>
+          </p:nvPr>
+        </p:nvSpPr>
+        <p:spPr>
+          <a:prstGeom prst="rect">
+            <a:avLst/>
+          </a:prstGeom>
+        </p:spPr>
+        <p:txBody>
+          <a:bodyPr/>
+          <a:lstStyle/>
+          <a:p>
+            <a:pPr lvl="0">
+              <a:defRPr sz="1800"/>
+            </a:pPr>
+            <a:r>
+              <a:rPr sz="2200"/>
+              <a:t>Tobias</a:t>
+            </a:r>
+          </a:p>
+        </p:txBody>
+      </p:sp>
+    </p:spTree>
+  </p:cSld>
+  <p:clrMapOvr>
+    <a:masterClrMapping/>
+  </p:clrMapOvr>
+</p:notes>
+</file>
+
+<file path=ppt/notesSlides/notesSlide3.xml><?xml version="1.0" encoding="utf-8"?>
+<p:notes xmlns:a="http://schemas.openxmlformats.org/drawingml/2006/main" xmlns:r="http://schemas.openxmlformats.org/officeDocument/2006/relationships" xmlns:p="http://schemas.openxmlformats.org/presentationml/2006/main" showMasterSp="1" showMasterPhAnim="1">
+  <p:cSld>
+    <p:spTree>
+      <p:nvGrpSpPr>
+        <p:cNvPr id="1" name=""/>
+        <p:cNvGrpSpPr/>
+        <p:nvPr/>
+      </p:nvGrpSpPr>
+      <p:grpSpPr>
+        <a:xfrm>
+          <a:off x="0" y="0"/>
+          <a:ext cx="0" cy="0"/>
+          <a:chOff x="0" y="0"/>
+          <a:chExt cx="0" cy="0"/>
+        </a:xfrm>
+      </p:grpSpPr>
+      <p:sp>
+        <p:nvSpPr>
+          <p:cNvPr id="63" name="Shape 63"/>
+          <p:cNvSpPr/>
+          <p:nvPr>
+            <p:ph type="sldImg"/>
+          </p:nvPr>
+        </p:nvSpPr>
+        <p:spPr>
+          <a:prstGeom prst="rect">
+            <a:avLst/>
+          </a:prstGeom>
+        </p:spPr>
+        <p:txBody>
+          <a:bodyPr/>
+          <a:lstStyle/>
+          <a:p>
+            <a:pPr lvl="0"/>
+          </a:p>
+        </p:txBody>
+      </p:sp>
+      <p:sp>
+        <p:nvSpPr>
+          <p:cNvPr id="64" name="Shape 64"/>
+          <p:cNvSpPr/>
+          <p:nvPr>
+            <p:ph type="body" sz="quarter" idx="1"/>
+          </p:nvPr>
+        </p:nvSpPr>
+        <p:spPr>
+          <a:prstGeom prst="rect">
+            <a:avLst/>
+          </a:prstGeom>
+        </p:spPr>
+        <p:txBody>
+          <a:bodyPr/>
+          <a:lstStyle/>
+          <a:p>
+            <a:pPr lvl="0">
+              <a:defRPr sz="1800"/>
+            </a:pPr>
+            <a:r>
+              <a:rPr sz="2200"/>
+              <a:t>Tobias</a:t>
+            </a:r>
+          </a:p>
+        </p:txBody>
+      </p:sp>
+    </p:spTree>
+  </p:cSld>
+  <p:clrMapOvr>
+    <a:masterClrMapping/>
+  </p:clrMapOvr>
+</p:notes>
+</file>
+
+<file path=ppt/notesSlides/notesSlide4.xml><?xml version="1.0" encoding="utf-8"?>
+<p:notes xmlns:a="http://schemas.openxmlformats.org/drawingml/2006/main" xmlns:r="http://schemas.openxmlformats.org/officeDocument/2006/relationships" xmlns:p="http://schemas.openxmlformats.org/presentationml/2006/main" showMasterSp="1" showMasterPhAnim="1">
+  <p:cSld>
+    <p:spTree>
+      <p:nvGrpSpPr>
+        <p:cNvPr id="1" name=""/>
+        <p:cNvGrpSpPr/>
+        <p:nvPr/>
+      </p:nvGrpSpPr>
+      <p:grpSpPr>
+        <a:xfrm>
+          <a:off x="0" y="0"/>
+          <a:ext cx="0" cy="0"/>
+          <a:chOff x="0" y="0"/>
+          <a:chExt cx="0" cy="0"/>
+        </a:xfrm>
+      </p:grpSpPr>
+      <p:sp>
+        <p:nvSpPr>
+          <p:cNvPr id="69" name="Shape 69"/>
+          <p:cNvSpPr/>
+          <p:nvPr>
+            <p:ph type="sldImg"/>
+          </p:nvPr>
+        </p:nvSpPr>
+        <p:spPr>
+          <a:prstGeom prst="rect">
+            <a:avLst/>
+          </a:prstGeom>
+        </p:spPr>
+        <p:txBody>
+          <a:bodyPr/>
+          <a:lstStyle/>
+          <a:p>
+            <a:pPr lvl="0"/>
+          </a:p>
+        </p:txBody>
+      </p:sp>
+      <p:sp>
+        <p:nvSpPr>
+          <p:cNvPr id="70" name="Shape 70"/>
+          <p:cNvSpPr/>
+          <p:nvPr>
+            <p:ph type="body" sz="quarter" idx="1"/>
+          </p:nvPr>
+        </p:nvSpPr>
+        <p:spPr>
+          <a:prstGeom prst="rect">
+            <a:avLst/>
+          </a:prstGeom>
+        </p:spPr>
+        <p:txBody>
+          <a:bodyPr/>
+          <a:lstStyle/>
+          <a:p>
+            <a:pPr lvl="0">
+              <a:defRPr sz="1800"/>
+            </a:pPr>
+            <a:r>
+              <a:rPr sz="2200"/>
+              <a:t>Tobias</a:t>
+            </a:r>
+          </a:p>
+        </p:txBody>
+      </p:sp>
+    </p:spTree>
+  </p:cSld>
+  <p:clrMapOvr>
+    <a:masterClrMapping/>
+  </p:clrMapOvr>
+</p:notes>
+</file>
+
+<file path=ppt/notesSlides/notesSlide5.xml><?xml version="1.0" encoding="utf-8"?>
+<p:notes xmlns:a="http://schemas.openxmlformats.org/drawingml/2006/main" xmlns:r="http://schemas.openxmlformats.org/officeDocument/2006/relationships" xmlns:p="http://schemas.openxmlformats.org/presentationml/2006/main" showMasterSp="1" showMasterPhAnim="1">
+  <p:cSld>
+    <p:spTree>
+      <p:nvGrpSpPr>
+        <p:cNvPr id="1" name=""/>
+        <p:cNvGrpSpPr/>
+        <p:nvPr/>
+      </p:nvGrpSpPr>
+      <p:grpSpPr>
+        <a:xfrm>
+          <a:off x="0" y="0"/>
+          <a:ext cx="0" cy="0"/>
+          <a:chOff x="0" y="0"/>
+          <a:chExt cx="0" cy="0"/>
+        </a:xfrm>
+      </p:grpSpPr>
+      <p:sp>
+        <p:nvSpPr>
+          <p:cNvPr id="96" name="Shape 96"/>
+          <p:cNvSpPr/>
+          <p:nvPr>
+            <p:ph type="sldImg"/>
+          </p:nvPr>
+        </p:nvSpPr>
+        <p:spPr>
+          <a:prstGeom prst="rect">
+            <a:avLst/>
+          </a:prstGeom>
+        </p:spPr>
+        <p:txBody>
+          <a:bodyPr/>
+          <a:lstStyle/>
+          <a:p>
+            <a:pPr lvl="0"/>
+          </a:p>
+        </p:txBody>
+      </p:sp>
+      <p:sp>
+        <p:nvSpPr>
+          <p:cNvPr id="97" name="Shape 97"/>
+          <p:cNvSpPr/>
+          <p:nvPr>
+            <p:ph type="body" sz="quarter" idx="1"/>
+          </p:nvPr>
+        </p:nvSpPr>
+        <p:spPr>
+          <a:prstGeom prst="rect">
+            <a:avLst/>
+          </a:prstGeom>
+        </p:spPr>
+        <p:txBody>
+          <a:bodyPr/>
+          <a:lstStyle/>
+          <a:p>
+            <a:pPr lvl="0">
+              <a:defRPr sz="1800"/>
+            </a:pPr>
+            <a:r>
+              <a:rPr sz="2200"/>
+              <a:t>Tobias</a:t>
+            </a:r>
+          </a:p>
+        </p:txBody>
+      </p:sp>
+    </p:spTree>
+  </p:cSld>
+  <p:clrMapOvr>
+    <a:masterClrMapping/>
+  </p:clrMapOvr>
+</p:notes>
+</file>
+
+<file path=ppt/notesSlides/notesSlide6.xml><?xml version="1.0" encoding="utf-8"?>
+<p:notes xmlns:a="http://schemas.openxmlformats.org/drawingml/2006/main" xmlns:r="http://schemas.openxmlformats.org/officeDocument/2006/relationships" xmlns:p="http://schemas.openxmlformats.org/presentationml/2006/main" showMasterSp="1" showMasterPhAnim="1">
+  <p:cSld>
+    <p:spTree>
+      <p:nvGrpSpPr>
+        <p:cNvPr id="1" name=""/>
+        <p:cNvGrpSpPr/>
+        <p:nvPr/>
+      </p:nvGrpSpPr>
+      <p:grpSpPr>
+        <a:xfrm>
+          <a:off x="0" y="0"/>
+          <a:ext cx="0" cy="0"/>
+          <a:chOff x="0" y="0"/>
+          <a:chExt cx="0" cy="0"/>
+        </a:xfrm>
+      </p:grpSpPr>
+      <p:sp>
+        <p:nvSpPr>
+          <p:cNvPr id="102" name="Shape 102"/>
+          <p:cNvSpPr/>
+          <p:nvPr>
+            <p:ph type="sldImg"/>
+          </p:nvPr>
+        </p:nvSpPr>
+        <p:spPr>
+          <a:prstGeom prst="rect">
+            <a:avLst/>
+          </a:prstGeom>
+        </p:spPr>
+        <p:txBody>
+          <a:bodyPr/>
+          <a:lstStyle/>
+          <a:p>
+            <a:pPr lvl="0"/>
+          </a:p>
+        </p:txBody>
+      </p:sp>
+      <p:sp>
+        <p:nvSpPr>
+          <p:cNvPr id="103" name="Shape 103"/>
+          <p:cNvSpPr/>
+          <p:nvPr>
+            <p:ph type="body" sz="quarter" idx="1"/>
+          </p:nvPr>
+        </p:nvSpPr>
+        <p:spPr>
+          <a:prstGeom prst="rect">
+            <a:avLst/>
+          </a:prstGeom>
+        </p:spPr>
+        <p:txBody>
+          <a:bodyPr/>
+          <a:lstStyle/>
+          <a:p>
+            <a:pPr lvl="0">
+              <a:defRPr sz="1800"/>
+            </a:pPr>
+            <a:r>
+              <a:rPr sz="2200"/>
+              <a:t>André</a:t>
+            </a:r>
+          </a:p>
+        </p:txBody>
+      </p:sp>
+    </p:spTree>
+  </p:cSld>
+  <p:clrMapOvr>
+    <a:masterClrMapping/>
+  </p:clrMapOvr>
+</p:notes>
+</file>
+
+<file path=ppt/notesSlides/notesSlide7.xml><?xml version="1.0" encoding="utf-8"?>
+<p:notes xmlns:a="http://schemas.openxmlformats.org/drawingml/2006/main" xmlns:r="http://schemas.openxmlformats.org/officeDocument/2006/relationships" xmlns:p="http://schemas.openxmlformats.org/presentationml/2006/main" showMasterSp="1" showMasterPhAnim="1">
+  <p:cSld>
+    <p:spTree>
+      <p:nvGrpSpPr>
+        <p:cNvPr id="1" name=""/>
+        <p:cNvGrpSpPr/>
+        <p:nvPr/>
+      </p:nvGrpSpPr>
+      <p:grpSpPr>
+        <a:xfrm>
+          <a:off x="0" y="0"/>
+          <a:ext cx="0" cy="0"/>
+          <a:chOff x="0" y="0"/>
+          <a:chExt cx="0" cy="0"/>
+        </a:xfrm>
+      </p:grpSpPr>
+      <p:sp>
+        <p:nvSpPr>
+          <p:cNvPr id="108" name="Shape 108"/>
+          <p:cNvSpPr/>
+          <p:nvPr>
+            <p:ph type="sldImg"/>
+          </p:nvPr>
+        </p:nvSpPr>
+        <p:spPr>
+          <a:prstGeom prst="rect">
+            <a:avLst/>
+          </a:prstGeom>
+        </p:spPr>
+        <p:txBody>
+          <a:bodyPr/>
+          <a:lstStyle/>
+          <a:p>
+            <a:pPr lvl="0"/>
+          </a:p>
+        </p:txBody>
+      </p:sp>
+      <p:sp>
+        <p:nvSpPr>
+          <p:cNvPr id="109" name="Shape 109"/>
+          <p:cNvSpPr/>
+          <p:nvPr>
+            <p:ph type="body" sz="quarter" idx="1"/>
+          </p:nvPr>
+        </p:nvSpPr>
+        <p:spPr>
+          <a:prstGeom prst="rect">
+            <a:avLst/>
+          </a:prstGeom>
+        </p:spPr>
+        <p:txBody>
+          <a:bodyPr/>
+          <a:lstStyle/>
+          <a:p>
+            <a:pPr lvl="0">
+              <a:defRPr sz="1800"/>
+            </a:pPr>
+            <a:r>
+              <a:rPr sz="2200"/>
+              <a:t>André</a:t>
+            </a:r>
+          </a:p>
+        </p:txBody>
+      </p:sp>
+    </p:spTree>
+  </p:cSld>
+  <p:clrMapOvr>
+    <a:masterClrMapping/>
+  </p:clrMapOvr>
+</p:notes>
+</file>
+
+<file path=ppt/notesSlides/notesSlide8.xml><?xml version="1.0" encoding="utf-8"?>
+<p:notes xmlns:a="http://schemas.openxmlformats.org/drawingml/2006/main" xmlns:r="http://schemas.openxmlformats.org/officeDocument/2006/relationships" xmlns:p="http://schemas.openxmlformats.org/presentationml/2006/main" showMasterSp="1" showMasterPhAnim="1">
+  <p:cSld>
+    <p:spTree>
+      <p:nvGrpSpPr>
+        <p:cNvPr id="1" name=""/>
+        <p:cNvGrpSpPr/>
+        <p:nvPr/>
+      </p:nvGrpSpPr>
+      <p:grpSpPr>
+        <a:xfrm>
+          <a:off x="0" y="0"/>
+          <a:ext cx="0" cy="0"/>
+          <a:chOff x="0" y="0"/>
+          <a:chExt cx="0" cy="0"/>
+        </a:xfrm>
+      </p:grpSpPr>
+      <p:sp>
+        <p:nvSpPr>
+          <p:cNvPr id="114" name="Shape 114"/>
+          <p:cNvSpPr/>
+          <p:nvPr>
+            <p:ph type="sldImg"/>
+          </p:nvPr>
+        </p:nvSpPr>
+        <p:spPr>
+          <a:prstGeom prst="rect">
+            <a:avLst/>
+          </a:prstGeom>
+        </p:spPr>
+        <p:txBody>
+          <a:bodyPr/>
+          <a:lstStyle/>
+          <a:p>
+            <a:pPr lvl="0"/>
+          </a:p>
+        </p:txBody>
+      </p:sp>
+      <p:sp>
+        <p:nvSpPr>
+          <p:cNvPr id="115" name="Shape 115"/>
+          <p:cNvSpPr/>
+          <p:nvPr>
+            <p:ph type="body" sz="quarter" idx="1"/>
+          </p:nvPr>
+        </p:nvSpPr>
+        <p:spPr>
+          <a:prstGeom prst="rect">
+            <a:avLst/>
+          </a:prstGeom>
+        </p:spPr>
+        <p:txBody>
+          <a:bodyPr/>
+          <a:lstStyle/>
+          <a:p>
+            <a:pPr lvl="0">
+              <a:defRPr sz="1800"/>
+            </a:pPr>
+            <a:r>
+              <a:rPr sz="2200"/>
+              <a:t>Attila</a:t>
+            </a:r>
+          </a:p>
+        </p:txBody>
+      </p:sp>
+    </p:spTree>
+  </p:cSld>
+  <p:clrMapOvr>
+    <a:masterClrMapping/>
+  </p:clrMapOvr>
+</p:notes>
+</file>
+
+<file path=ppt/notesSlides/notesSlide9.xml><?xml version="1.0" encoding="utf-8"?>
+<p:notes xmlns:a="http://schemas.openxmlformats.org/drawingml/2006/main" xmlns:r="http://schemas.openxmlformats.org/officeDocument/2006/relationships" xmlns:p="http://schemas.openxmlformats.org/presentationml/2006/main" showMasterSp="1" showMasterPhAnim="1">
+  <p:cSld>
+    <p:spTree>
+      <p:nvGrpSpPr>
+        <p:cNvPr id="1" name=""/>
+        <p:cNvGrpSpPr/>
+        <p:nvPr/>
+      </p:nvGrpSpPr>
+      <p:grpSpPr>
+        <a:xfrm>
+          <a:off x="0" y="0"/>
+          <a:ext cx="0" cy="0"/>
+          <a:chOff x="0" y="0"/>
+          <a:chExt cx="0" cy="0"/>
+        </a:xfrm>
+      </p:grpSpPr>
+      <p:sp>
+        <p:nvSpPr>
+          <p:cNvPr id="120" name="Shape 120"/>
+          <p:cNvSpPr/>
+          <p:nvPr>
+            <p:ph type="sldImg"/>
+          </p:nvPr>
+        </p:nvSpPr>
+        <p:spPr>
+          <a:prstGeom prst="rect">
+            <a:avLst/>
+          </a:prstGeom>
+        </p:spPr>
+        <p:txBody>
+          <a:bodyPr/>
+          <a:lstStyle/>
+          <a:p>
+            <a:pPr lvl="0"/>
+          </a:p>
+        </p:txBody>
+      </p:sp>
+      <p:sp>
+        <p:nvSpPr>
+          <p:cNvPr id="121" name="Shape 121"/>
+          <p:cNvSpPr/>
+          <p:nvPr>
+            <p:ph type="body" sz="quarter" idx="1"/>
+          </p:nvPr>
+        </p:nvSpPr>
+        <p:spPr>
+          <a:prstGeom prst="rect">
+            <a:avLst/>
+          </a:prstGeom>
+        </p:spPr>
+        <p:txBody>
+          <a:bodyPr/>
+          <a:lstStyle/>
+          <a:p>
+            <a:pPr lvl="0">
+              <a:defRPr sz="1800"/>
+            </a:pPr>
+            <a:r>
+              <a:rPr sz="2200"/>
+              <a:t>André</a:t>
+            </a:r>
+          </a:p>
+        </p:txBody>
+      </p:sp>
+    </p:spTree>
+  </p:cSld>
+  <p:clrMapOvr>
+    <a:masterClrMapping/>
+  </p:clrMapOvr>
+</p:notes>
 </file>
 
 <file path=ppt/slideLayouts/slideLayout1.xml><?xml version="1.0" encoding="utf-8"?>
@@ -1944,8 +3042,8 @@
         </p:nvSpPr>
         <p:spPr>
           <a:xfrm>
-            <a:off x="8027044" y="9283699"/>
-            <a:ext cx="4787901" cy="351038"/>
+            <a:off x="8027044" y="9283700"/>
+            <a:ext cx="4787901" cy="351037"/>
           </a:xfrm>
           <a:prstGeom prst="rect">
             <a:avLst/>
@@ -2015,7 +3113,7 @@
       </p:grpSpPr>
       <p:sp>
         <p:nvSpPr>
-          <p:cNvPr id="101" name="Shape 101"/>
+          <p:cNvPr id="117" name="Shape 117"/>
           <p:cNvSpPr/>
           <p:nvPr>
             <p:ph type="title"/>
@@ -2042,45 +3140,102 @@
       </p:sp>
       <p:sp>
         <p:nvSpPr>
-          <p:cNvPr id="102" name="Shape 102"/>
+          <p:cNvPr id="118" name="Shape 118"/>
           <p:cNvSpPr/>
           <p:nvPr>
             <p:ph type="body" idx="1"/>
           </p:nvPr>
         </p:nvSpPr>
         <p:spPr>
-          <a:xfrm>
-            <a:off x="952500" y="2590800"/>
-            <a:ext cx="11099800" cy="6286500"/>
-          </a:xfrm>
           <a:prstGeom prst="rect">
             <a:avLst/>
           </a:prstGeom>
         </p:spPr>
         <p:txBody>
           <a:bodyPr anchor="t"/>
-          <a:lstStyle>
-            <a:lvl1pPr marL="513395" indent="-513395" defTabSz="449833">
+          <a:lstStyle/>
+          <a:p>
+            <a:pPr lvl="0" marL="513395" indent="-513395" defTabSz="449833">
               <a:spcBef>
                 <a:spcPts val="3200"/>
               </a:spcBef>
-              <a:defRPr sz="2700"/>
-            </a:lvl1pPr>
-          </a:lstStyle>
-          <a:p>
-            <a:pPr lvl="0">
               <a:defRPr sz="1800"/>
             </a:pPr>
             <a:r>
               <a:rPr sz="2700"/>
-              <a:t>google heatmap</a:t>
+              <a:t>Data Update Mechanism</a:t>
+            </a:r>
+            <a:endParaRPr sz="2700"/>
+          </a:p>
+          <a:p>
+            <a:pPr lvl="1" marL="855660" indent="-513395" defTabSz="449833">
+              <a:spcBef>
+                <a:spcPts val="3200"/>
+              </a:spcBef>
+              <a:defRPr sz="1800"/>
+            </a:pPr>
+            <a:r>
+              <a:rPr sz="2700"/>
+              <a:t>Checks for new data once a week and invokes a download if necessary</a:t>
+            </a:r>
+            <a:endParaRPr sz="2700"/>
+          </a:p>
+          <a:p>
+            <a:pPr lvl="1" marL="855660" indent="-513395" defTabSz="449833">
+              <a:spcBef>
+                <a:spcPts val="3200"/>
+              </a:spcBef>
+              <a:defRPr sz="1800"/>
+            </a:pPr>
+            <a:r>
+              <a:rPr sz="2700"/>
+              <a:t>Stores / caches data in SQLite database</a:t>
+            </a:r>
+            <a:endParaRPr sz="2700"/>
+          </a:p>
+          <a:p>
+            <a:pPr lvl="0" marL="513395" indent="-513395" defTabSz="449833">
+              <a:spcBef>
+                <a:spcPts val="3200"/>
+              </a:spcBef>
+              <a:defRPr sz="1800"/>
+            </a:pPr>
+            <a:r>
+              <a:rPr sz="2700"/>
+              <a:t>Settings Activity</a:t>
+            </a:r>
+            <a:endParaRPr sz="2700"/>
+          </a:p>
+          <a:p>
+            <a:pPr lvl="1" marL="855660" indent="-513395" defTabSz="449833">
+              <a:spcBef>
+                <a:spcPts val="3200"/>
+              </a:spcBef>
+              <a:defRPr sz="1800"/>
+            </a:pPr>
+            <a:r>
+              <a:rPr sz="2700"/>
+              <a:t>Uses a custom slider control</a:t>
+            </a:r>
+            <a:endParaRPr sz="2700"/>
+          </a:p>
+          <a:p>
+            <a:pPr lvl="1" marL="855660" indent="-513395" defTabSz="449833">
+              <a:spcBef>
+                <a:spcPts val="3200"/>
+              </a:spcBef>
+              <a:defRPr sz="1800"/>
+            </a:pPr>
+            <a:r>
+              <a:rPr sz="2700"/>
+              <a:t>Stores settings in shared preferences</a:t>
             </a:r>
           </a:p>
         </p:txBody>
       </p:sp>
       <p:sp>
         <p:nvSpPr>
-          <p:cNvPr id="103" name="Shape 103"/>
+          <p:cNvPr id="119" name="Shape 119"/>
           <p:cNvSpPr/>
           <p:nvPr/>
         </p:nvSpPr>
@@ -2129,14 +3284,756 @@
           </a:p>
         </p:txBody>
       </p:sp>
+    </p:spTree>
+  </p:cSld>
+  <p:clrMapOvr>
+    <a:masterClrMapping/>
+  </p:clrMapOvr>
+  <p:transition spd="med" advClick="1"/>
+  <p:timing>
+    <p:tnLst>
+      <p:par>
+        <p:cTn id="1" nodeType="tmRoot" restart="never" dur="indefinite" fill="hold">
+          <p:childTnLst>
+            <p:seq concurrent="1" prevAc="none" nextAc="seek">
+              <p:cTn id="2" nodeType="mainSeq" dur="indefinite" fill="hold">
+                <p:childTnLst>
+                  <p:par>
+                    <p:cTn id="3" fill="hold">
+                      <p:stCondLst>
+                        <p:cond delay="indefinite"/>
+                      </p:stCondLst>
+                      <p:childTnLst>
+                        <p:par>
+                          <p:cTn id="4" fill="hold">
+                            <p:stCondLst>
+                              <p:cond delay="0"/>
+                            </p:stCondLst>
+                            <p:childTnLst>
+                              <p:par>
+                                <p:cTn id="5" nodeType="clickEffect" presetClass="entr" presetSubtype="0" presetID="1" grpId="1" fill="hold">
+                                  <p:stCondLst>
+                                    <p:cond delay="0"/>
+                                  </p:stCondLst>
+                                  <p:iterate type="el" backwards="0">
+                                    <p:tmAbs val="0"/>
+                                  </p:iterate>
+                                  <p:childTnLst>
+                                    <p:set>
+                                      <p:cBhvr>
+                                        <p:cTn id="6" fill="hold"/>
+                                        <p:tgtEl>
+                                          <p:spTgt spid="118">
+                                            <p:bg/>
+                                          </p:spTgt>
+                                        </p:tgtEl>
+                                        <p:attrNameLst>
+                                          <p:attrName>style.visibility</p:attrName>
+                                        </p:attrNameLst>
+                                      </p:cBhvr>
+                                      <p:to>
+                                        <p:strVal val="visible"/>
+                                      </p:to>
+                                    </p:set>
+                                  </p:childTnLst>
+                                </p:cTn>
+                              </p:par>
+                              <p:par>
+                                <p:cTn id="7" presetClass="entr" presetSubtype="0" presetID="1" grpId="1" fill="hold">
+                                  <p:stCondLst>
+                                    <p:cond delay="0"/>
+                                  </p:stCondLst>
+                                  <p:iterate type="el" backwards="0">
+                                    <p:tmAbs val="0"/>
+                                  </p:iterate>
+                                  <p:childTnLst>
+                                    <p:set>
+                                      <p:cBhvr>
+                                        <p:cTn id="8" fill="hold"/>
+                                        <p:tgtEl>
+                                          <p:spTgt spid="118">
+                                            <p:txEl>
+                                              <p:pRg st="0" end="0"/>
+                                            </p:txEl>
+                                          </p:spTgt>
+                                        </p:tgtEl>
+                                        <p:attrNameLst>
+                                          <p:attrName>style.visibility</p:attrName>
+                                        </p:attrNameLst>
+                                      </p:cBhvr>
+                                      <p:to>
+                                        <p:strVal val="visible"/>
+                                      </p:to>
+                                    </p:set>
+                                  </p:childTnLst>
+                                </p:cTn>
+                              </p:par>
+                            </p:childTnLst>
+                          </p:cTn>
+                        </p:par>
+                      </p:childTnLst>
+                    </p:cTn>
+                  </p:par>
+                  <p:par>
+                    <p:cTn id="9" fill="hold">
+                      <p:stCondLst>
+                        <p:cond delay="indefinite"/>
+                      </p:stCondLst>
+                      <p:childTnLst>
+                        <p:par>
+                          <p:cTn id="10" fill="hold">
+                            <p:stCondLst>
+                              <p:cond delay="0"/>
+                            </p:stCondLst>
+                            <p:childTnLst>
+                              <p:par>
+                                <p:cTn id="11" nodeType="clickEffect" presetClass="entr" presetSubtype="0" presetID="1" grpId="1" fill="hold">
+                                  <p:stCondLst>
+                                    <p:cond delay="0"/>
+                                  </p:stCondLst>
+                                  <p:iterate type="el" backwards="0">
+                                    <p:tmAbs val="0"/>
+                                  </p:iterate>
+                                  <p:childTnLst>
+                                    <p:set>
+                                      <p:cBhvr>
+                                        <p:cTn id="12" fill="hold"/>
+                                        <p:tgtEl>
+                                          <p:spTgt spid="118">
+                                            <p:txEl>
+                                              <p:pRg st="1" end="1"/>
+                                            </p:txEl>
+                                          </p:spTgt>
+                                        </p:tgtEl>
+                                        <p:attrNameLst>
+                                          <p:attrName>style.visibility</p:attrName>
+                                        </p:attrNameLst>
+                                      </p:cBhvr>
+                                      <p:to>
+                                        <p:strVal val="visible"/>
+                                      </p:to>
+                                    </p:set>
+                                  </p:childTnLst>
+                                </p:cTn>
+                              </p:par>
+                            </p:childTnLst>
+                          </p:cTn>
+                        </p:par>
+                      </p:childTnLst>
+                    </p:cTn>
+                  </p:par>
+                  <p:par>
+                    <p:cTn id="13" fill="hold">
+                      <p:stCondLst>
+                        <p:cond delay="indefinite"/>
+                      </p:stCondLst>
+                      <p:childTnLst>
+                        <p:par>
+                          <p:cTn id="14" fill="hold">
+                            <p:stCondLst>
+                              <p:cond delay="0"/>
+                            </p:stCondLst>
+                            <p:childTnLst>
+                              <p:par>
+                                <p:cTn id="15" nodeType="clickEffect" presetClass="entr" presetSubtype="0" presetID="1" grpId="1" fill="hold">
+                                  <p:stCondLst>
+                                    <p:cond delay="0"/>
+                                  </p:stCondLst>
+                                  <p:iterate type="el" backwards="0">
+                                    <p:tmAbs val="0"/>
+                                  </p:iterate>
+                                  <p:childTnLst>
+                                    <p:set>
+                                      <p:cBhvr>
+                                        <p:cTn id="16" fill="hold"/>
+                                        <p:tgtEl>
+                                          <p:spTgt spid="118">
+                                            <p:txEl>
+                                              <p:pRg st="2" end="2"/>
+                                            </p:txEl>
+                                          </p:spTgt>
+                                        </p:tgtEl>
+                                        <p:attrNameLst>
+                                          <p:attrName>style.visibility</p:attrName>
+                                        </p:attrNameLst>
+                                      </p:cBhvr>
+                                      <p:to>
+                                        <p:strVal val="visible"/>
+                                      </p:to>
+                                    </p:set>
+                                  </p:childTnLst>
+                                </p:cTn>
+                              </p:par>
+                            </p:childTnLst>
+                          </p:cTn>
+                        </p:par>
+                      </p:childTnLst>
+                    </p:cTn>
+                  </p:par>
+                  <p:par>
+                    <p:cTn id="17" fill="hold">
+                      <p:stCondLst>
+                        <p:cond delay="indefinite"/>
+                      </p:stCondLst>
+                      <p:childTnLst>
+                        <p:par>
+                          <p:cTn id="18" fill="hold">
+                            <p:stCondLst>
+                              <p:cond delay="0"/>
+                            </p:stCondLst>
+                            <p:childTnLst>
+                              <p:par>
+                                <p:cTn id="19" nodeType="clickEffect" presetClass="entr" presetSubtype="0" presetID="1" grpId="1" fill="hold">
+                                  <p:stCondLst>
+                                    <p:cond delay="0"/>
+                                  </p:stCondLst>
+                                  <p:iterate type="el" backwards="0">
+                                    <p:tmAbs val="0"/>
+                                  </p:iterate>
+                                  <p:childTnLst>
+                                    <p:set>
+                                      <p:cBhvr>
+                                        <p:cTn id="20" fill="hold"/>
+                                        <p:tgtEl>
+                                          <p:spTgt spid="118">
+                                            <p:txEl>
+                                              <p:pRg st="3" end="3"/>
+                                            </p:txEl>
+                                          </p:spTgt>
+                                        </p:tgtEl>
+                                        <p:attrNameLst>
+                                          <p:attrName>style.visibility</p:attrName>
+                                        </p:attrNameLst>
+                                      </p:cBhvr>
+                                      <p:to>
+                                        <p:strVal val="visible"/>
+                                      </p:to>
+                                    </p:set>
+                                  </p:childTnLst>
+                                </p:cTn>
+                              </p:par>
+                            </p:childTnLst>
+                          </p:cTn>
+                        </p:par>
+                      </p:childTnLst>
+                    </p:cTn>
+                  </p:par>
+                  <p:par>
+                    <p:cTn id="21" fill="hold">
+                      <p:stCondLst>
+                        <p:cond delay="indefinite"/>
+                      </p:stCondLst>
+                      <p:childTnLst>
+                        <p:par>
+                          <p:cTn id="22" fill="hold">
+                            <p:stCondLst>
+                              <p:cond delay="0"/>
+                            </p:stCondLst>
+                            <p:childTnLst>
+                              <p:par>
+                                <p:cTn id="23" nodeType="clickEffect" presetClass="entr" presetSubtype="0" presetID="1" grpId="1" fill="hold">
+                                  <p:stCondLst>
+                                    <p:cond delay="0"/>
+                                  </p:stCondLst>
+                                  <p:iterate type="el" backwards="0">
+                                    <p:tmAbs val="0"/>
+                                  </p:iterate>
+                                  <p:childTnLst>
+                                    <p:set>
+                                      <p:cBhvr>
+                                        <p:cTn id="24" fill="hold"/>
+                                        <p:tgtEl>
+                                          <p:spTgt spid="118">
+                                            <p:txEl>
+                                              <p:pRg st="4" end="4"/>
+                                            </p:txEl>
+                                          </p:spTgt>
+                                        </p:tgtEl>
+                                        <p:attrNameLst>
+                                          <p:attrName>style.visibility</p:attrName>
+                                        </p:attrNameLst>
+                                      </p:cBhvr>
+                                      <p:to>
+                                        <p:strVal val="visible"/>
+                                      </p:to>
+                                    </p:set>
+                                  </p:childTnLst>
+                                </p:cTn>
+                              </p:par>
+                            </p:childTnLst>
+                          </p:cTn>
+                        </p:par>
+                      </p:childTnLst>
+                    </p:cTn>
+                  </p:par>
+                  <p:par>
+                    <p:cTn id="25" fill="hold">
+                      <p:stCondLst>
+                        <p:cond delay="indefinite"/>
+                      </p:stCondLst>
+                      <p:childTnLst>
+                        <p:par>
+                          <p:cTn id="26" fill="hold">
+                            <p:stCondLst>
+                              <p:cond delay="0"/>
+                            </p:stCondLst>
+                            <p:childTnLst>
+                              <p:par>
+                                <p:cTn id="27" nodeType="clickEffect" presetClass="entr" presetSubtype="0" presetID="1" grpId="1" fill="hold">
+                                  <p:stCondLst>
+                                    <p:cond delay="0"/>
+                                  </p:stCondLst>
+                                  <p:iterate type="el" backwards="0">
+                                    <p:tmAbs val="0"/>
+                                  </p:iterate>
+                                  <p:childTnLst>
+                                    <p:set>
+                                      <p:cBhvr>
+                                        <p:cTn id="28" fill="hold"/>
+                                        <p:tgtEl>
+                                          <p:spTgt spid="118">
+                                            <p:txEl>
+                                              <p:pRg st="5" end="5"/>
+                                            </p:txEl>
+                                          </p:spTgt>
+                                        </p:tgtEl>
+                                        <p:attrNameLst>
+                                          <p:attrName>style.visibility</p:attrName>
+                                        </p:attrNameLst>
+                                      </p:cBhvr>
+                                      <p:to>
+                                        <p:strVal val="visible"/>
+                                      </p:to>
+                                    </p:set>
+                                  </p:childTnLst>
+                                </p:cTn>
+                              </p:par>
+                            </p:childTnLst>
+                          </p:cTn>
+                        </p:par>
+                      </p:childTnLst>
+                    </p:cTn>
+                  </p:par>
+                </p:childTnLst>
+              </p:cTn>
+              <p:prevCondLst>
+                <p:cond evt="onPrev">
+                  <p:tgtEl>
+                    <p:sldTgt/>
+                  </p:tgtEl>
+                </p:cond>
+              </p:prevCondLst>
+              <p:nextCondLst>
+                <p:cond evt="onNext">
+                  <p:tgtEl>
+                    <p:sldTgt/>
+                  </p:tgtEl>
+                </p:cond>
+              </p:nextCondLst>
+            </p:seq>
+          </p:childTnLst>
+        </p:cTn>
+      </p:par>
+    </p:tnLst>
+    <p:bldLst>
+      <p:bldP build="p" bldLvl="5" animBg="1" rev="0" advAuto="0" spid="118" grpId="1"/>
+    </p:bldLst>
+  </p:timing>
+</p:sld>
+</file>
+
+<file path=ppt/slides/slide11.xml><?xml version="1.0" encoding="utf-8"?>
+<p:sld xmlns:a="http://schemas.openxmlformats.org/drawingml/2006/main" xmlns:r="http://schemas.openxmlformats.org/officeDocument/2006/relationships" xmlns:p="http://schemas.openxmlformats.org/presentationml/2006/main" showMasterSp="1" showMasterPhAnim="1">
+  <p:cSld>
+    <p:spTree>
+      <p:nvGrpSpPr>
+        <p:cNvPr id="1" name=""/>
+        <p:cNvGrpSpPr/>
+        <p:nvPr/>
+      </p:nvGrpSpPr>
+      <p:grpSpPr>
+        <a:xfrm>
+          <a:off x="0" y="0"/>
+          <a:ext cx="0" cy="0"/>
+          <a:chOff x="0" y="0"/>
+          <a:chExt cx="0" cy="0"/>
+        </a:xfrm>
+      </p:grpSpPr>
+      <p:sp>
+        <p:nvSpPr>
+          <p:cNvPr id="123" name="Shape 123"/>
+          <p:cNvSpPr/>
+          <p:nvPr>
+            <p:ph type="title"/>
+          </p:nvPr>
+        </p:nvSpPr>
+        <p:spPr>
+          <a:prstGeom prst="rect">
+            <a:avLst/>
+          </a:prstGeom>
+        </p:spPr>
+        <p:txBody>
+          <a:bodyPr/>
+          <a:lstStyle/>
+          <a:p>
+            <a:pPr lvl="1" indent="228600">
+              <a:defRPr sz="1800"/>
+            </a:pPr>
+            <a:r>
+              <a:rPr sz="8000"/>
+              <a:t>implementation</a:t>
+            </a:r>
+          </a:p>
+        </p:txBody>
+      </p:sp>
+      <p:sp>
+        <p:nvSpPr>
+          <p:cNvPr id="124" name="Shape 124"/>
+          <p:cNvSpPr/>
+          <p:nvPr>
+            <p:ph type="body" idx="1"/>
+          </p:nvPr>
+        </p:nvSpPr>
+        <p:spPr>
+          <a:xfrm>
+            <a:off x="952500" y="2590800"/>
+            <a:ext cx="11099800" cy="6286500"/>
+          </a:xfrm>
+          <a:prstGeom prst="rect">
+            <a:avLst/>
+          </a:prstGeom>
+        </p:spPr>
+        <p:txBody>
+          <a:bodyPr anchor="t"/>
+          <a:lstStyle>
+            <a:lvl1pPr marL="513395" indent="-513395" defTabSz="449833">
+              <a:spcBef>
+                <a:spcPts val="3200"/>
+              </a:spcBef>
+              <a:defRPr sz="2700"/>
+            </a:lvl1pPr>
+          </a:lstStyle>
+          <a:p>
+            <a:pPr lvl="0">
+              <a:defRPr sz="1800"/>
+            </a:pPr>
+            <a:r>
+              <a:rPr sz="2700"/>
+              <a:t>v1</a:t>
+            </a:r>
+          </a:p>
+        </p:txBody>
+      </p:sp>
+      <p:sp>
+        <p:nvSpPr>
+          <p:cNvPr id="125" name="Shape 125"/>
+          <p:cNvSpPr/>
+          <p:nvPr/>
+        </p:nvSpPr>
+        <p:spPr>
+          <a:xfrm>
+            <a:off x="8027044" y="9283700"/>
+            <a:ext cx="4787901" cy="351037"/>
+          </a:xfrm>
+          <a:prstGeom prst="rect">
+            <a:avLst/>
+          </a:prstGeom>
+          <a:ln w="12700">
+            <a:miter lim="400000"/>
+          </a:ln>
+          <a:extLst>
+            <a:ext uri="{C572A759-6A51-4108-AA02-DFA0A04FC94B}">
+              <ma14:wrappingTextBoxFlag xmlns:ma14="http://schemas.microsoft.com/office/mac/drawingml/2011/main" val="1"/>
+            </a:ext>
+          </a:extLst>
+        </p:spPr>
+        <p:txBody>
+          <a:bodyPr lIns="0" tIns="0" rIns="0" bIns="0">
+            <a:normAutofit fontScale="100000" lnSpcReduction="0"/>
+          </a:bodyPr>
+          <a:lstStyle/>
+          <a:p>
+            <a:pPr lvl="0" algn="l" defTabSz="315468">
+              <a:defRPr sz="1800"/>
+            </a:pPr>
+            <a:r>
+              <a:rPr>
+                <a:solidFill>
+                  <a:srgbClr val="4E4E4E"/>
+                </a:solidFill>
+              </a:rPr>
+              <a:t>André Gasser, Attila Horvath, </a:t>
+            </a:r>
+            <a:r>
+              <a:rPr sz="1700">
+                <a:solidFill>
+                  <a:srgbClr val="4E4E4E"/>
+                </a:solidFill>
+              </a:rPr>
+              <a:t>Tobias Schäuble</a:t>
+            </a:r>
+          </a:p>
+        </p:txBody>
+      </p:sp>
+    </p:spTree>
+  </p:cSld>
+  <p:clrMapOvr>
+    <a:masterClrMapping/>
+  </p:clrMapOvr>
+  <p:transition spd="med" advClick="1"/>
+  <p:timing>
+    <p:tnLst>
+      <p:par>
+        <p:cTn id="1" nodeType="tmRoot" restart="never" dur="indefinite" fill="hold">
+          <p:childTnLst>
+            <p:seq concurrent="1" prevAc="none" nextAc="seek">
+              <p:cTn id="2" nodeType="mainSeq" dur="indefinite" fill="hold">
+                <p:childTnLst>
+                  <p:par>
+                    <p:cTn id="3" fill="hold">
+                      <p:stCondLst>
+                        <p:cond delay="indefinite"/>
+                      </p:stCondLst>
+                      <p:childTnLst>
+                        <p:par>
+                          <p:cTn id="4" fill="hold">
+                            <p:stCondLst>
+                              <p:cond delay="0"/>
+                            </p:stCondLst>
+                            <p:childTnLst>
+                              <p:par>
+                                <p:cTn id="5" nodeType="clickEffect" presetClass="entr" presetSubtype="0" presetID="1" grpId="1" fill="hold">
+                                  <p:stCondLst>
+                                    <p:cond delay="0"/>
+                                  </p:stCondLst>
+                                  <p:iterate type="el" backwards="0">
+                                    <p:tmAbs val="0"/>
+                                  </p:iterate>
+                                  <p:childTnLst>
+                                    <p:set>
+                                      <p:cBhvr>
+                                        <p:cTn id="6" fill="hold"/>
+                                        <p:tgtEl>
+                                          <p:spTgt spid="124">
+                                            <p:bg/>
+                                          </p:spTgt>
+                                        </p:tgtEl>
+                                        <p:attrNameLst>
+                                          <p:attrName>style.visibility</p:attrName>
+                                        </p:attrNameLst>
+                                      </p:cBhvr>
+                                      <p:to>
+                                        <p:strVal val="visible"/>
+                                      </p:to>
+                                    </p:set>
+                                  </p:childTnLst>
+                                </p:cTn>
+                              </p:par>
+                              <p:par>
+                                <p:cTn id="7" presetClass="entr" presetSubtype="0" presetID="1" grpId="1" fill="hold">
+                                  <p:stCondLst>
+                                    <p:cond delay="0"/>
+                                  </p:stCondLst>
+                                  <p:iterate type="el" backwards="0">
+                                    <p:tmAbs val="0"/>
+                                  </p:iterate>
+                                  <p:childTnLst>
+                                    <p:set>
+                                      <p:cBhvr>
+                                        <p:cTn id="8" fill="hold"/>
+                                        <p:tgtEl>
+                                          <p:spTgt spid="124">
+                                            <p:txEl>
+                                              <p:pRg st="0" end="0"/>
+                                            </p:txEl>
+                                          </p:spTgt>
+                                        </p:tgtEl>
+                                        <p:attrNameLst>
+                                          <p:attrName>style.visibility</p:attrName>
+                                        </p:attrNameLst>
+                                      </p:cBhvr>
+                                      <p:to>
+                                        <p:strVal val="visible"/>
+                                      </p:to>
+                                    </p:set>
+                                  </p:childTnLst>
+                                </p:cTn>
+                              </p:par>
+                            </p:childTnLst>
+                          </p:cTn>
+                        </p:par>
+                      </p:childTnLst>
+                    </p:cTn>
+                  </p:par>
+                </p:childTnLst>
+              </p:cTn>
+              <p:prevCondLst>
+                <p:cond evt="onPrev">
+                  <p:tgtEl>
+                    <p:sldTgt/>
+                  </p:tgtEl>
+                </p:cond>
+              </p:prevCondLst>
+              <p:nextCondLst>
+                <p:cond evt="onNext">
+                  <p:tgtEl>
+                    <p:sldTgt/>
+                  </p:tgtEl>
+                </p:cond>
+              </p:nextCondLst>
+            </p:seq>
+          </p:childTnLst>
+        </p:cTn>
+      </p:par>
+    </p:tnLst>
+    <p:bldLst>
+      <p:bldP build="p" bldLvl="5" animBg="1" rev="0" advAuto="0" spid="124" grpId="1"/>
+    </p:bldLst>
+  </p:timing>
+</p:sld>
+</file>
+
+<file path=ppt/slides/slide12.xml><?xml version="1.0" encoding="utf-8"?>
+<p:sld xmlns:a="http://schemas.openxmlformats.org/drawingml/2006/main" xmlns:r="http://schemas.openxmlformats.org/officeDocument/2006/relationships" xmlns:p="http://schemas.openxmlformats.org/presentationml/2006/main" showMasterSp="1" showMasterPhAnim="1">
+  <p:cSld>
+    <p:spTree>
+      <p:nvGrpSpPr>
+        <p:cNvPr id="1" name=""/>
+        <p:cNvGrpSpPr/>
+        <p:nvPr/>
+      </p:nvGrpSpPr>
+      <p:grpSpPr>
+        <a:xfrm>
+          <a:off x="0" y="0"/>
+          <a:ext cx="0" cy="0"/>
+          <a:chOff x="0" y="0"/>
+          <a:chExt cx="0" cy="0"/>
+        </a:xfrm>
+      </p:grpSpPr>
+      <p:sp>
+        <p:nvSpPr>
+          <p:cNvPr id="129" name="Shape 129"/>
+          <p:cNvSpPr/>
+          <p:nvPr>
+            <p:ph type="title"/>
+          </p:nvPr>
+        </p:nvSpPr>
+        <p:spPr>
+          <a:prstGeom prst="rect">
+            <a:avLst/>
+          </a:prstGeom>
+        </p:spPr>
+        <p:txBody>
+          <a:bodyPr/>
+          <a:lstStyle/>
+          <a:p>
+            <a:pPr lvl="1" indent="228600">
+              <a:defRPr sz="1800"/>
+            </a:pPr>
+            <a:r>
+              <a:rPr sz="8000"/>
+              <a:t>challenges</a:t>
+            </a:r>
+          </a:p>
+        </p:txBody>
+      </p:sp>
+      <p:sp>
+        <p:nvSpPr>
+          <p:cNvPr id="130" name="Shape 130"/>
+          <p:cNvSpPr/>
+          <p:nvPr>
+            <p:ph type="body" idx="1"/>
+          </p:nvPr>
+        </p:nvSpPr>
+        <p:spPr>
+          <a:xfrm>
+            <a:off x="952500" y="2590800"/>
+            <a:ext cx="11099800" cy="6286500"/>
+          </a:xfrm>
+          <a:prstGeom prst="rect">
+            <a:avLst/>
+          </a:prstGeom>
+        </p:spPr>
+        <p:txBody>
+          <a:bodyPr anchor="t"/>
+          <a:lstStyle>
+            <a:lvl1pPr marL="513395" indent="-513395" defTabSz="449833">
+              <a:spcBef>
+                <a:spcPts val="3200"/>
+              </a:spcBef>
+              <a:defRPr sz="2700"/>
+            </a:lvl1pPr>
+          </a:lstStyle>
+          <a:p>
+            <a:pPr lvl="0">
+              <a:defRPr sz="1800"/>
+            </a:pPr>
+            <a:r>
+              <a:rPr sz="2700"/>
+              <a:t>google heatmap</a:t>
+            </a:r>
+          </a:p>
+        </p:txBody>
+      </p:sp>
+      <p:sp>
+        <p:nvSpPr>
+          <p:cNvPr id="131" name="Shape 131"/>
+          <p:cNvSpPr/>
+          <p:nvPr/>
+        </p:nvSpPr>
+        <p:spPr>
+          <a:xfrm>
+            <a:off x="8027044" y="9283700"/>
+            <a:ext cx="4787901" cy="351037"/>
+          </a:xfrm>
+          <a:prstGeom prst="rect">
+            <a:avLst/>
+          </a:prstGeom>
+          <a:ln w="12700">
+            <a:miter lim="400000"/>
+          </a:ln>
+          <a:extLst>
+            <a:ext uri="{C572A759-6A51-4108-AA02-DFA0A04FC94B}">
+              <ma14:wrappingTextBoxFlag xmlns:ma14="http://schemas.microsoft.com/office/mac/drawingml/2011/main" val="1"/>
+            </a:ext>
+          </a:extLst>
+        </p:spPr>
+        <p:txBody>
+          <a:bodyPr lIns="0" tIns="0" rIns="0" bIns="0">
+            <a:normAutofit fontScale="100000" lnSpcReduction="0"/>
+          </a:bodyPr>
+          <a:lstStyle/>
+          <a:p>
+            <a:pPr lvl="0" algn="l" defTabSz="315468">
+              <a:defRPr sz="1800"/>
+            </a:pPr>
+            <a:r>
+              <a:rPr>
+                <a:solidFill>
+                  <a:srgbClr val="4E4E4E"/>
+                </a:solidFill>
+              </a:rPr>
+              <a:t>André Gasser, Attila Horvath, </a:t>
+            </a:r>
+            <a:r>
+              <a:rPr sz="1700">
+                <a:solidFill>
+                  <a:srgbClr val="4E4E4E"/>
+                </a:solidFill>
+              </a:rPr>
+              <a:t>Tobias Schäuble</a:t>
+            </a:r>
+          </a:p>
+        </p:txBody>
+      </p:sp>
       <p:pic>
         <p:nvPicPr>
-          <p:cNvPr id="104" name="device-2015-04-08-194724.png"/>
+          <p:cNvPr id="132" name="device-2015-04-08-194724.png"/>
           <p:cNvPicPr/>
           <p:nvPr/>
         </p:nvPicPr>
         <p:blipFill>
-          <a:blip r:embed="rId2">
+          <a:blip r:embed="rId3">
             <a:extLst/>
           </a:blip>
           <a:stretch>
@@ -2158,12 +4055,12 @@
       </p:pic>
       <p:pic>
         <p:nvPicPr>
-          <p:cNvPr id="105" name="device-2015-04-08-194817.png"/>
+          <p:cNvPr id="133" name="device-2015-04-08-194817.png"/>
           <p:cNvPicPr/>
           <p:nvPr/>
         </p:nvPicPr>
         <p:blipFill>
-          <a:blip r:embed="rId3">
+          <a:blip r:embed="rId4">
             <a:extLst/>
           </a:blip>
           <a:stretch>
@@ -2185,12 +4082,12 @@
       </p:pic>
       <p:pic>
         <p:nvPicPr>
-          <p:cNvPr id="106" name="device-2015-04-08-194927.png"/>
+          <p:cNvPr id="134" name="device-2015-04-08-194927.png"/>
           <p:cNvPicPr/>
           <p:nvPr/>
         </p:nvPicPr>
         <p:blipFill>
-          <a:blip r:embed="rId4">
+          <a:blip r:embed="rId5">
             <a:extLst/>
           </a:blip>
           <a:stretch>
@@ -2200,7 +4097,7 @@
         <p:spPr>
           <a:xfrm>
             <a:off x="8626161" y="3187069"/>
-            <a:ext cx="3470749" cy="5784581"/>
+            <a:ext cx="3470750" cy="5784581"/>
           </a:xfrm>
           <a:prstGeom prst="rect">
             <a:avLst/>
@@ -2249,7 +4146,7 @@
                                       <p:cBhvr>
                                         <p:cTn id="6" fill="hold"/>
                                         <p:tgtEl>
-                                          <p:spTgt spid="102">
+                                          <p:spTgt spid="130">
                                             <p:bg/>
                                           </p:spTgt>
                                         </p:tgtEl>
@@ -2277,7 +4174,7 @@
                                       <p:cBhvr>
                                         <p:cTn id="8" fill="hold"/>
                                         <p:tgtEl>
-                                          <p:spTgt spid="102">
+                                          <p:spTgt spid="130">
                                             <p:txEl>
                                               <p:pRg st="0" end="0"/>
                                             </p:txEl>
@@ -2322,13 +4219,13 @@
       </p:par>
     </p:tnLst>
     <p:bldLst>
-      <p:bldP build="p" bldLvl="5" animBg="1" rev="0" advAuto="0" spid="102" grpId="1"/>
+      <p:bldP build="p" bldLvl="5" animBg="1" rev="0" advAuto="0" spid="130" grpId="1"/>
     </p:bldLst>
   </p:timing>
 </p:sld>
 </file>
 
-<file path=ppt/slides/slide11.xml><?xml version="1.0" encoding="utf-8"?>
+<file path=ppt/slides/slide13.xml><?xml version="1.0" encoding="utf-8"?>
 <p:sld xmlns:a="http://schemas.openxmlformats.org/drawingml/2006/main" xmlns:r="http://schemas.openxmlformats.org/officeDocument/2006/relationships" xmlns:p="http://schemas.openxmlformats.org/presentationml/2006/main" showMasterSp="1" showMasterPhAnim="1">
   <p:cSld>
     <p:spTree>
@@ -2347,7 +4244,7 @@
       </p:grpSpPr>
       <p:sp>
         <p:nvSpPr>
-          <p:cNvPr id="108" name="Shape 108"/>
+          <p:cNvPr id="138" name="Shape 138"/>
           <p:cNvSpPr/>
           <p:nvPr>
             <p:ph type="title"/>
@@ -2367,14 +4264,14 @@
             </a:pPr>
             <a:r>
               <a:rPr sz="8000"/>
-              <a:t>implementation</a:t>
+              <a:t>challenges</a:t>
             </a:r>
           </a:p>
         </p:txBody>
       </p:sp>
       <p:sp>
         <p:nvSpPr>
-          <p:cNvPr id="109" name="Shape 109"/>
+          <p:cNvPr id="139" name="Shape 139"/>
           <p:cNvSpPr/>
           <p:nvPr>
             <p:ph type="body" idx="1"/>
@@ -2412,7 +4309,7 @@
       </p:sp>
       <p:sp>
         <p:nvSpPr>
-          <p:cNvPr id="110" name="Shape 110"/>
+          <p:cNvPr id="140" name="Shape 140"/>
           <p:cNvSpPr/>
           <p:nvPr/>
         </p:nvSpPr>
@@ -2463,12 +4360,12 @@
       </p:sp>
       <p:pic>
         <p:nvPicPr>
-          <p:cNvPr id="111" name="device-2015-04-08-195121.png"/>
+          <p:cNvPr id="141" name="device-2015-04-08-195121.png"/>
           <p:cNvPicPr/>
           <p:nvPr/>
         </p:nvPicPr>
         <p:blipFill>
-          <a:blip r:embed="rId2">
+          <a:blip r:embed="rId3">
             <a:extLst/>
           </a:blip>
           <a:stretch>
@@ -2490,12 +4387,12 @@
       </p:pic>
       <p:pic>
         <p:nvPicPr>
-          <p:cNvPr id="112" name="device-2015-04-08-195142.png"/>
+          <p:cNvPr id="142" name="device-2015-04-08-195142.png"/>
           <p:cNvPicPr/>
           <p:nvPr/>
         </p:nvPicPr>
         <p:blipFill>
-          <a:blip r:embed="rId3">
+          <a:blip r:embed="rId4">
             <a:extLst/>
           </a:blip>
           <a:stretch>
@@ -2517,12 +4414,12 @@
       </p:pic>
       <p:pic>
         <p:nvPicPr>
-          <p:cNvPr id="113" name="device-2015-04-08-195209.png"/>
+          <p:cNvPr id="143" name="device-2015-04-08-195209.png"/>
           <p:cNvPicPr/>
           <p:nvPr/>
         </p:nvPicPr>
         <p:blipFill>
-          <a:blip r:embed="rId4">
+          <a:blip r:embed="rId5">
             <a:extLst/>
           </a:blip>
           <a:stretch>
@@ -2581,7 +4478,7 @@
                                       <p:cBhvr>
                                         <p:cTn id="6" fill="hold"/>
                                         <p:tgtEl>
-                                          <p:spTgt spid="109">
+                                          <p:spTgt spid="139">
                                             <p:bg/>
                                           </p:spTgt>
                                         </p:tgtEl>
@@ -2609,7 +4506,7 @@
                                       <p:cBhvr>
                                         <p:cTn id="8" fill="hold"/>
                                         <p:tgtEl>
-                                          <p:spTgt spid="109">
+                                          <p:spTgt spid="139">
                                             <p:txEl>
                                               <p:pRg st="0" end="0"/>
                                             </p:txEl>
@@ -2654,13 +4551,13 @@
       </p:par>
     </p:tnLst>
     <p:bldLst>
-      <p:bldP build="p" bldLvl="5" animBg="1" rev="0" advAuto="0" spid="109" grpId="1"/>
+      <p:bldP build="p" bldLvl="5" animBg="1" rev="0" advAuto="0" spid="139" grpId="1"/>
     </p:bldLst>
   </p:timing>
 </p:sld>
 </file>
 
-<file path=ppt/slides/slide12.xml><?xml version="1.0" encoding="utf-8"?>
+<file path=ppt/slides/slide14.xml><?xml version="1.0" encoding="utf-8"?>
 <p:sld xmlns:a="http://schemas.openxmlformats.org/drawingml/2006/main" xmlns:r="http://schemas.openxmlformats.org/officeDocument/2006/relationships" xmlns:p="http://schemas.openxmlformats.org/presentationml/2006/main" showMasterSp="1" showMasterPhAnim="1">
   <p:cSld>
     <p:spTree>
@@ -2679,7 +4576,7 @@
       </p:grpSpPr>
       <p:sp>
         <p:nvSpPr>
-          <p:cNvPr id="115" name="Shape 115"/>
+          <p:cNvPr id="147" name="Shape 147"/>
           <p:cNvSpPr/>
           <p:nvPr>
             <p:ph type="title"/>
@@ -2699,96 +4596,52 @@
             </a:pPr>
             <a:r>
               <a:rPr sz="8000"/>
-              <a:t>evaluation / testing</a:t>
+              <a:t>challenges</a:t>
             </a:r>
           </a:p>
         </p:txBody>
       </p:sp>
       <p:sp>
         <p:nvSpPr>
-          <p:cNvPr id="116" name="Shape 116"/>
+          <p:cNvPr id="148" name="Shape 148"/>
           <p:cNvSpPr/>
           <p:nvPr>
             <p:ph type="body" idx="1"/>
           </p:nvPr>
         </p:nvSpPr>
         <p:spPr>
+          <a:xfrm>
+            <a:off x="952500" y="2590800"/>
+            <a:ext cx="11099800" cy="6286500"/>
+          </a:xfrm>
           <a:prstGeom prst="rect">
             <a:avLst/>
           </a:prstGeom>
         </p:spPr>
         <p:txBody>
           <a:bodyPr anchor="t"/>
-          <a:lstStyle/>
-          <a:p>
-            <a:pPr lvl="0" marL="513395" indent="-513395" defTabSz="449833">
+          <a:lstStyle>
+            <a:lvl1pPr marL="513395" indent="-513395" defTabSz="449833">
               <a:spcBef>
                 <a:spcPts val="3200"/>
               </a:spcBef>
+              <a:defRPr sz="2700"/>
+            </a:lvl1pPr>
+          </a:lstStyle>
+          <a:p>
+            <a:pPr lvl="0">
               <a:defRPr sz="1800"/>
             </a:pPr>
             <a:r>
               <a:rPr sz="2700"/>
-              <a:t>During Development</a:t>
-            </a:r>
-            <a:endParaRPr sz="2700"/>
-          </a:p>
-          <a:p>
-            <a:pPr lvl="1" marL="855660" indent="-513395" defTabSz="449833">
-              <a:spcBef>
-                <a:spcPts val="3200"/>
-              </a:spcBef>
-              <a:defRPr sz="1800"/>
-            </a:pPr>
-            <a:r>
-              <a:rPr sz="2700"/>
-              <a:t>Run on different Android devices such as Samsung Galaxy S2, Nexus 2, Nexus 7 Tablet, ...</a:t>
-            </a:r>
-            <a:endParaRPr sz="2700"/>
-          </a:p>
-          <a:p>
-            <a:pPr lvl="0" marL="513395" indent="-513395" defTabSz="449833">
-              <a:spcBef>
-                <a:spcPts val="3200"/>
-              </a:spcBef>
-              <a:defRPr sz="1800"/>
-            </a:pPr>
-            <a:r>
-              <a:rPr sz="2700"/>
-              <a:t>Manual / explorative testing by end users</a:t>
-            </a:r>
-            <a:endParaRPr sz="2700"/>
-          </a:p>
-          <a:p>
-            <a:pPr lvl="1" marL="855660" indent="-513395" defTabSz="449833">
-              <a:spcBef>
-                <a:spcPts val="3200"/>
-              </a:spcBef>
-              <a:defRPr sz="1800"/>
-            </a:pPr>
-            <a:r>
-              <a:rPr sz="2700"/>
-              <a:t>Watch them as the use the app</a:t>
-            </a:r>
-            <a:endParaRPr sz="2700"/>
-          </a:p>
-          <a:p>
-            <a:pPr lvl="1" marL="855660" indent="-513395" defTabSz="449833">
-              <a:spcBef>
-                <a:spcPts val="3200"/>
-              </a:spcBef>
-              <a:defRPr sz="1800"/>
-            </a:pPr>
-            <a:r>
-              <a:rPr sz="2700"/>
-              <a:t>Collect feedback</a:t>
+              <a:t>mapbox</a:t>
             </a:r>
           </a:p>
         </p:txBody>
       </p:sp>
       <p:sp>
         <p:nvSpPr>
-          <p:cNvPr id="117" name="Shape 117"/>
+          <p:cNvPr id="149" name="Shape 149"/>
           <p:cNvSpPr/>
           <p:nvPr/>
         </p:nvSpPr>
@@ -2876,7 +4729,7 @@
                                       <p:cBhvr>
                                         <p:cTn id="6" fill="hold"/>
                                         <p:tgtEl>
-                                          <p:spTgt spid="116">
+                                          <p:spTgt spid="148">
                                             <p:bg/>
                                           </p:spTgt>
                                         </p:tgtEl>
@@ -2904,7 +4757,302 @@
                                       <p:cBhvr>
                                         <p:cTn id="8" fill="hold"/>
                                         <p:tgtEl>
-                                          <p:spTgt spid="116">
+                                          <p:spTgt spid="148">
+                                            <p:txEl>
+                                              <p:pRg st="0" end="0"/>
+                                            </p:txEl>
+                                          </p:spTgt>
+                                        </p:tgtEl>
+                                        <p:attrNameLst>
+                                          <p:attrName>style.visibility</p:attrName>
+                                        </p:attrNameLst>
+                                      </p:cBhvr>
+                                      <p:to>
+                                        <p:strVal val="visible"/>
+                                      </p:to>
+                                    </p:set>
+                                  </p:childTnLst>
+                                </p:cTn>
+                              </p:par>
+                            </p:childTnLst>
+                          </p:cTn>
+                        </p:par>
+                      </p:childTnLst>
+                    </p:cTn>
+                  </p:par>
+                </p:childTnLst>
+              </p:cTn>
+              <p:prevCondLst>
+                <p:cond evt="onPrev">
+                  <p:tgtEl>
+                    <p:sldTgt/>
+                  </p:tgtEl>
+                </p:cond>
+              </p:prevCondLst>
+              <p:nextCondLst>
+                <p:cond evt="onNext">
+                  <p:tgtEl>
+                    <p:sldTgt/>
+                  </p:tgtEl>
+                </p:cond>
+              </p:nextCondLst>
+            </p:seq>
+          </p:childTnLst>
+        </p:cTn>
+      </p:par>
+    </p:tnLst>
+    <p:bldLst>
+      <p:bldP build="p" bldLvl="5" animBg="1" rev="0" advAuto="0" spid="148" grpId="1"/>
+    </p:bldLst>
+  </p:timing>
+</p:sld>
+</file>
+
+<file path=ppt/slides/slide15.xml><?xml version="1.0" encoding="utf-8"?>
+<p:sld xmlns:a="http://schemas.openxmlformats.org/drawingml/2006/main" xmlns:r="http://schemas.openxmlformats.org/officeDocument/2006/relationships" xmlns:p="http://schemas.openxmlformats.org/presentationml/2006/main" showMasterSp="1" showMasterPhAnim="1">
+  <p:cSld>
+    <p:spTree>
+      <p:nvGrpSpPr>
+        <p:cNvPr id="1" name=""/>
+        <p:cNvGrpSpPr/>
+        <p:nvPr/>
+      </p:nvGrpSpPr>
+      <p:grpSpPr>
+        <a:xfrm>
+          <a:off x="0" y="0"/>
+          <a:ext cx="0" cy="0"/>
+          <a:chOff x="0" y="0"/>
+          <a:chExt cx="0" cy="0"/>
+        </a:xfrm>
+      </p:grpSpPr>
+      <p:sp>
+        <p:nvSpPr>
+          <p:cNvPr id="153" name="Shape 153"/>
+          <p:cNvSpPr/>
+          <p:nvPr>
+            <p:ph type="title"/>
+          </p:nvPr>
+        </p:nvSpPr>
+        <p:spPr>
+          <a:prstGeom prst="rect">
+            <a:avLst/>
+          </a:prstGeom>
+        </p:spPr>
+        <p:txBody>
+          <a:bodyPr/>
+          <a:lstStyle/>
+          <a:p>
+            <a:pPr lvl="1" indent="228600">
+              <a:defRPr sz="1800"/>
+            </a:pPr>
+            <a:r>
+              <a:rPr sz="8000"/>
+              <a:t>evaluation / testing</a:t>
+            </a:r>
+          </a:p>
+        </p:txBody>
+      </p:sp>
+      <p:sp>
+        <p:nvSpPr>
+          <p:cNvPr id="154" name="Shape 154"/>
+          <p:cNvSpPr/>
+          <p:nvPr>
+            <p:ph type="body" idx="1"/>
+          </p:nvPr>
+        </p:nvSpPr>
+        <p:spPr>
+          <a:prstGeom prst="rect">
+            <a:avLst/>
+          </a:prstGeom>
+        </p:spPr>
+        <p:txBody>
+          <a:bodyPr anchor="t"/>
+          <a:lstStyle/>
+          <a:p>
+            <a:pPr lvl="0" marL="513395" indent="-513395" defTabSz="449833">
+              <a:spcBef>
+                <a:spcPts val="3200"/>
+              </a:spcBef>
+              <a:defRPr sz="1800"/>
+            </a:pPr>
+            <a:r>
+              <a:rPr sz="2700"/>
+              <a:t>During Development</a:t>
+            </a:r>
+            <a:endParaRPr sz="2700"/>
+          </a:p>
+          <a:p>
+            <a:pPr lvl="1" marL="855660" indent="-513395" defTabSz="449833">
+              <a:spcBef>
+                <a:spcPts val="3200"/>
+              </a:spcBef>
+              <a:defRPr sz="1800"/>
+            </a:pPr>
+            <a:r>
+              <a:rPr sz="2700"/>
+              <a:t>Run on different Android devices such as Samsung Galaxy S2, Nexus 2, Nexus 7 Tablet, ...</a:t>
+            </a:r>
+            <a:endParaRPr sz="2700"/>
+          </a:p>
+          <a:p>
+            <a:pPr lvl="0" marL="513395" indent="-513395" defTabSz="449833">
+              <a:spcBef>
+                <a:spcPts val="3200"/>
+              </a:spcBef>
+              <a:defRPr sz="1800"/>
+            </a:pPr>
+            <a:r>
+              <a:rPr sz="2700"/>
+              <a:t>Manual / explorative testing by end users</a:t>
+            </a:r>
+            <a:endParaRPr sz="2700"/>
+          </a:p>
+          <a:p>
+            <a:pPr lvl="1" marL="855660" indent="-513395" defTabSz="449833">
+              <a:spcBef>
+                <a:spcPts val="3200"/>
+              </a:spcBef>
+              <a:defRPr sz="1800"/>
+            </a:pPr>
+            <a:r>
+              <a:rPr sz="2700"/>
+              <a:t>Watch them as the use the app</a:t>
+            </a:r>
+            <a:endParaRPr sz="2700"/>
+          </a:p>
+          <a:p>
+            <a:pPr lvl="1" marL="855660" indent="-513395" defTabSz="449833">
+              <a:spcBef>
+                <a:spcPts val="3200"/>
+              </a:spcBef>
+              <a:defRPr sz="1800"/>
+            </a:pPr>
+            <a:r>
+              <a:rPr sz="2700"/>
+              <a:t>Collect feedback</a:t>
+            </a:r>
+          </a:p>
+        </p:txBody>
+      </p:sp>
+      <p:sp>
+        <p:nvSpPr>
+          <p:cNvPr id="155" name="Shape 155"/>
+          <p:cNvSpPr/>
+          <p:nvPr/>
+        </p:nvSpPr>
+        <p:spPr>
+          <a:xfrm>
+            <a:off x="8027044" y="9283700"/>
+            <a:ext cx="4787901" cy="351037"/>
+          </a:xfrm>
+          <a:prstGeom prst="rect">
+            <a:avLst/>
+          </a:prstGeom>
+          <a:ln w="12700">
+            <a:miter lim="400000"/>
+          </a:ln>
+          <a:extLst>
+            <a:ext uri="{C572A759-6A51-4108-AA02-DFA0A04FC94B}">
+              <ma14:wrappingTextBoxFlag xmlns:ma14="http://schemas.microsoft.com/office/mac/drawingml/2011/main" val="1"/>
+            </a:ext>
+          </a:extLst>
+        </p:spPr>
+        <p:txBody>
+          <a:bodyPr lIns="0" tIns="0" rIns="0" bIns="0">
+            <a:normAutofit fontScale="100000" lnSpcReduction="0"/>
+          </a:bodyPr>
+          <a:lstStyle/>
+          <a:p>
+            <a:pPr lvl="0" algn="l" defTabSz="315468">
+              <a:defRPr sz="1800"/>
+            </a:pPr>
+            <a:r>
+              <a:rPr>
+                <a:solidFill>
+                  <a:srgbClr val="4E4E4E"/>
+                </a:solidFill>
+              </a:rPr>
+              <a:t>André Gasser, Attila Horvath, </a:t>
+            </a:r>
+            <a:r>
+              <a:rPr sz="1700">
+                <a:solidFill>
+                  <a:srgbClr val="4E4E4E"/>
+                </a:solidFill>
+              </a:rPr>
+              <a:t>Tobias Schäuble</a:t>
+            </a:r>
+          </a:p>
+        </p:txBody>
+      </p:sp>
+    </p:spTree>
+  </p:cSld>
+  <p:clrMapOvr>
+    <a:masterClrMapping/>
+  </p:clrMapOvr>
+  <p:transition spd="med" advClick="1"/>
+  <p:timing>
+    <p:tnLst>
+      <p:par>
+        <p:cTn id="1" nodeType="tmRoot" restart="never" dur="indefinite" fill="hold">
+          <p:childTnLst>
+            <p:seq concurrent="1" prevAc="none" nextAc="seek">
+              <p:cTn id="2" nodeType="mainSeq" dur="indefinite" fill="hold">
+                <p:childTnLst>
+                  <p:par>
+                    <p:cTn id="3" fill="hold">
+                      <p:stCondLst>
+                        <p:cond delay="indefinite"/>
+                      </p:stCondLst>
+                      <p:childTnLst>
+                        <p:par>
+                          <p:cTn id="4" fill="hold">
+                            <p:stCondLst>
+                              <p:cond delay="0"/>
+                            </p:stCondLst>
+                            <p:childTnLst>
+                              <p:par>
+                                <p:cTn id="5" nodeType="clickEffect" presetClass="entr" presetSubtype="0" presetID="1" grpId="1" fill="hold">
+                                  <p:stCondLst>
+                                    <p:cond delay="0"/>
+                                  </p:stCondLst>
+                                  <p:iterate type="el" backwards="0">
+                                    <p:tmAbs val="0"/>
+                                  </p:iterate>
+                                  <p:childTnLst>
+                                    <p:set>
+                                      <p:cBhvr>
+                                        <p:cTn id="6" fill="hold"/>
+                                        <p:tgtEl>
+                                          <p:spTgt spid="154">
+                                            <p:bg/>
+                                          </p:spTgt>
+                                        </p:tgtEl>
+                                        <p:attrNameLst>
+                                          <p:attrName>style.visibility</p:attrName>
+                                        </p:attrNameLst>
+                                      </p:cBhvr>
+                                      <p:to>
+                                        <p:strVal val="visible"/>
+                                      </p:to>
+                                    </p:set>
+                                  </p:childTnLst>
+                                </p:cTn>
+                              </p:par>
+                              <p:par>
+                                <p:cTn id="7" presetClass="entr" presetSubtype="0" presetID="1" grpId="1" fill="hold">
+                                  <p:stCondLst>
+                                    <p:cond delay="0"/>
+                                  </p:stCondLst>
+                                  <p:iterate type="el" backwards="0">
+                                    <p:tmAbs val="0"/>
+                                  </p:iterate>
+                                  <p:childTnLst>
+                                    <p:set>
+                                      <p:cBhvr>
+                                        <p:cTn id="8" fill="hold"/>
+                                        <p:tgtEl>
+                                          <p:spTgt spid="154">
                                             <p:txEl>
                                               <p:pRg st="0" end="0"/>
                                             </p:txEl>
@@ -2952,7 +5100,7 @@
                                       <p:cBhvr>
                                         <p:cTn id="12" fill="hold"/>
                                         <p:tgtEl>
-                                          <p:spTgt spid="116">
+                                          <p:spTgt spid="154">
                                             <p:txEl>
                                               <p:pRg st="1" end="1"/>
                                             </p:txEl>
@@ -3000,7 +5148,7 @@
                                       <p:cBhvr>
                                         <p:cTn id="16" fill="hold"/>
                                         <p:tgtEl>
-                                          <p:spTgt spid="116">
+                                          <p:spTgt spid="154">
                                             <p:txEl>
                                               <p:pRg st="2" end="2"/>
                                             </p:txEl>
@@ -3048,7 +5196,7 @@
                                       <p:cBhvr>
                                         <p:cTn id="20" fill="hold"/>
                                         <p:tgtEl>
-                                          <p:spTgt spid="116">
+                                          <p:spTgt spid="154">
                                             <p:txEl>
                                               <p:pRg st="3" end="3"/>
                                             </p:txEl>
@@ -3096,7 +5244,7 @@
                                       <p:cBhvr>
                                         <p:cTn id="24" fill="hold"/>
                                         <p:tgtEl>
-                                          <p:spTgt spid="116">
+                                          <p:spTgt spid="154">
                                             <p:txEl>
                                               <p:pRg st="4" end="4"/>
                                             </p:txEl>
@@ -3141,13 +5289,13 @@
       </p:par>
     </p:tnLst>
     <p:bldLst>
-      <p:bldP build="p" bldLvl="5" animBg="1" rev="0" advAuto="0" spid="116" grpId="1"/>
+      <p:bldP build="p" bldLvl="5" animBg="1" rev="0" advAuto="0" spid="154" grpId="1"/>
     </p:bldLst>
   </p:timing>
 </p:sld>
 </file>
 
-<file path=ppt/slides/slide13.xml><?xml version="1.0" encoding="utf-8"?>
+<file path=ppt/slides/slide16.xml><?xml version="1.0" encoding="utf-8"?>
 <p:sld xmlns:a="http://schemas.openxmlformats.org/drawingml/2006/main" xmlns:r="http://schemas.openxmlformats.org/officeDocument/2006/relationships" xmlns:p="http://schemas.openxmlformats.org/presentationml/2006/main" showMasterSp="1" showMasterPhAnim="1">
   <p:cSld>
     <p:spTree>
@@ -3166,7 +5314,7 @@
       </p:grpSpPr>
       <p:sp>
         <p:nvSpPr>
-          <p:cNvPr id="119" name="Shape 119"/>
+          <p:cNvPr id="159" name="Shape 159"/>
           <p:cNvSpPr/>
           <p:nvPr>
             <p:ph type="title"/>
@@ -3186,14 +5334,14 @@
             </a:pPr>
             <a:r>
               <a:rPr sz="8000"/>
-              <a:t>desicussion</a:t>
+              <a:t>discussion</a:t>
             </a:r>
           </a:p>
         </p:txBody>
       </p:sp>
       <p:sp>
         <p:nvSpPr>
-          <p:cNvPr id="120" name="Shape 120"/>
+          <p:cNvPr id="160" name="Shape 160"/>
           <p:cNvSpPr/>
           <p:nvPr>
             <p:ph type="body" idx="1"/>
@@ -3221,6 +5369,15 @@
             <a:endParaRPr sz="2700"/>
           </a:p>
           <a:p>
+            <a:pPr lvl="1" marL="684529" indent="-342263" defTabSz="449833">
+              <a:spcBef>
+                <a:spcPts val="3200"/>
+              </a:spcBef>
+              <a:defRPr sz="1800"/>
+            </a:pPr>
+            <a:endParaRPr sz="2700"/>
+          </a:p>
+          <a:p>
             <a:pPr lvl="0" marL="513395" indent="-513395" defTabSz="449833">
               <a:spcBef>
                 <a:spcPts val="3200"/>
@@ -3231,12 +5388,13 @@
               <a:rPr sz="2700"/>
               <a:t>Lesson Learned</a:t>
             </a:r>
+            <a:endParaRPr sz="2700"/>
           </a:p>
         </p:txBody>
       </p:sp>
       <p:sp>
         <p:nvSpPr>
-          <p:cNvPr id="121" name="Shape 121"/>
+          <p:cNvPr id="161" name="Shape 161"/>
           <p:cNvSpPr/>
           <p:nvPr/>
         </p:nvSpPr>
@@ -3324,7 +5482,7 @@
                                       <p:cBhvr>
                                         <p:cTn id="6" fill="hold"/>
                                         <p:tgtEl>
-                                          <p:spTgt spid="120">
+                                          <p:spTgt spid="160">
                                             <p:bg/>
                                           </p:spTgt>
                                         </p:tgtEl>
@@ -3352,7 +5510,7 @@
                                       <p:cBhvr>
                                         <p:cTn id="8" fill="hold"/>
                                         <p:tgtEl>
-                                          <p:spTgt spid="120">
+                                          <p:spTgt spid="160">
                                             <p:txEl>
                                               <p:pRg st="0" end="0"/>
                                             </p:txEl>
@@ -3400,9 +5558,105 @@
                                       <p:cBhvr>
                                         <p:cTn id="12" fill="hold"/>
                                         <p:tgtEl>
-                                          <p:spTgt spid="120">
+                                          <p:spTgt spid="160">
                                             <p:txEl>
                                               <p:pRg st="1" end="1"/>
+                                            </p:txEl>
+                                          </p:spTgt>
+                                        </p:tgtEl>
+                                        <p:attrNameLst>
+                                          <p:attrName>style.visibility</p:attrName>
+                                        </p:attrNameLst>
+                                      </p:cBhvr>
+                                      <p:to>
+                                        <p:strVal val="visible"/>
+                                      </p:to>
+                                    </p:set>
+                                  </p:childTnLst>
+                                </p:cTn>
+                              </p:par>
+                            </p:childTnLst>
+                          </p:cTn>
+                        </p:par>
+                      </p:childTnLst>
+                    </p:cTn>
+                  </p:par>
+                  <p:par>
+                    <p:cTn id="13" fill="hold">
+                      <p:stCondLst>
+                        <p:cond delay="indefinite"/>
+                      </p:stCondLst>
+                      <p:childTnLst>
+                        <p:par>
+                          <p:cTn id="14" fill="hold">
+                            <p:stCondLst>
+                              <p:cond delay="0"/>
+                            </p:stCondLst>
+                            <p:childTnLst>
+                              <p:par>
+                                <p:cTn id="15" nodeType="clickEffect" presetClass="entr" presetSubtype="0" presetID="1" grpId="1" fill="hold">
+                                  <p:stCondLst>
+                                    <p:cond delay="0"/>
+                                  </p:stCondLst>
+                                  <p:iterate type="el" backwards="0">
+                                    <p:tmAbs val="0"/>
+                                  </p:iterate>
+                                  <p:childTnLst>
+                                    <p:set>
+                                      <p:cBhvr>
+                                        <p:cTn id="16" fill="hold"/>
+                                        <p:tgtEl>
+                                          <p:spTgt spid="160">
+                                            <p:txEl>
+                                              <p:pRg st="2" end="2"/>
+                                            </p:txEl>
+                                          </p:spTgt>
+                                        </p:tgtEl>
+                                        <p:attrNameLst>
+                                          <p:attrName>style.visibility</p:attrName>
+                                        </p:attrNameLst>
+                                      </p:cBhvr>
+                                      <p:to>
+                                        <p:strVal val="visible"/>
+                                      </p:to>
+                                    </p:set>
+                                  </p:childTnLst>
+                                </p:cTn>
+                              </p:par>
+                            </p:childTnLst>
+                          </p:cTn>
+                        </p:par>
+                      </p:childTnLst>
+                    </p:cTn>
+                  </p:par>
+                  <p:par>
+                    <p:cTn id="17" fill="hold">
+                      <p:stCondLst>
+                        <p:cond delay="indefinite"/>
+                      </p:stCondLst>
+                      <p:childTnLst>
+                        <p:par>
+                          <p:cTn id="18" fill="hold">
+                            <p:stCondLst>
+                              <p:cond delay="0"/>
+                            </p:stCondLst>
+                            <p:childTnLst>
+                              <p:par>
+                                <p:cTn id="19" nodeType="clickEffect" presetClass="entr" presetSubtype="0" presetID="1" grpId="1" fill="hold">
+                                  <p:stCondLst>
+                                    <p:cond delay="0"/>
+                                  </p:stCondLst>
+                                  <p:iterate type="el" backwards="0">
+                                    <p:tmAbs val="0"/>
+                                  </p:iterate>
+                                  <p:childTnLst>
+                                    <p:set>
+                                      <p:cBhvr>
+                                        <p:cTn id="20" fill="hold"/>
+                                        <p:tgtEl>
+                                          <p:spTgt spid="160">
+                                            <p:txEl>
+                                              <p:pRg st="3" end="3"/>
                                             </p:txEl>
                                           </p:spTgt>
                                         </p:tgtEl>
@@ -3445,7 +5699,7 @@
       </p:par>
     </p:tnLst>
     <p:bldLst>
-      <p:bldP build="p" bldLvl="5" animBg="1" rev="0" advAuto="0" spid="120" grpId="1"/>
+      <p:bldP build="p" bldLvl="5" animBg="1" rev="0" advAuto="0" spid="160" grpId="1"/>
     </p:bldLst>
   </p:timing>
 </p:sld>
@@ -4018,7 +6272,7 @@
       </p:grpSpPr>
       <p:sp>
         <p:nvSpPr>
-          <p:cNvPr id="40" name="Shape 40"/>
+          <p:cNvPr id="42" name="Shape 42"/>
           <p:cNvSpPr/>
           <p:nvPr>
             <p:ph type="title"/>
@@ -4027,7 +6281,7 @@
         <p:spPr>
           <a:xfrm>
             <a:off x="3683446" y="3797300"/>
-            <a:ext cx="6108255" cy="2159000"/>
+            <a:ext cx="6108254" cy="2159000"/>
           </a:xfrm>
           <a:prstGeom prst="rect">
             <a:avLst/>
@@ -4049,7 +6303,7 @@
       </p:sp>
       <p:grpSp>
         <p:nvGrpSpPr>
-          <p:cNvPr id="53" name="Group 53"/>
+          <p:cNvPr id="55" name="Group 55"/>
           <p:cNvGrpSpPr/>
           <p:nvPr/>
         </p:nvGrpSpPr>
@@ -4058,12 +6312,12 @@
             <a:off x="1016000" y="1121444"/>
             <a:ext cx="11077486" cy="7743145"/>
             <a:chOff x="0" y="0"/>
-            <a:chExt cx="11077485" cy="7743144"/>
+            <a:chExt cx="11077484" cy="7743144"/>
           </a:xfrm>
         </p:grpSpPr>
         <p:sp>
           <p:nvSpPr>
-            <p:cNvPr id="41" name="Shape 41"/>
+            <p:cNvPr id="43" name="Shape 43"/>
             <p:cNvSpPr/>
             <p:nvPr/>
           </p:nvSpPr>
@@ -4112,7 +6366,7 @@
         </p:sp>
         <p:sp>
           <p:nvSpPr>
-            <p:cNvPr id="42" name="Shape 42"/>
+            <p:cNvPr id="44" name="Shape 44"/>
             <p:cNvSpPr/>
             <p:nvPr/>
           </p:nvSpPr>
@@ -4161,7 +6415,7 @@
         </p:sp>
         <p:sp>
           <p:nvSpPr>
-            <p:cNvPr id="43" name="Shape 43"/>
+            <p:cNvPr id="45" name="Shape 45"/>
             <p:cNvSpPr/>
             <p:nvPr/>
           </p:nvSpPr>
@@ -4210,7 +6464,7 @@
         </p:sp>
         <p:sp>
           <p:nvSpPr>
-            <p:cNvPr id="44" name="Shape 44"/>
+            <p:cNvPr id="46" name="Shape 46"/>
             <p:cNvSpPr/>
             <p:nvPr/>
           </p:nvSpPr>
@@ -4259,7 +6513,7 @@
         </p:sp>
         <p:sp>
           <p:nvSpPr>
-            <p:cNvPr id="45" name="Shape 45"/>
+            <p:cNvPr id="47" name="Shape 47"/>
             <p:cNvSpPr/>
             <p:nvPr/>
           </p:nvSpPr>
@@ -4308,7 +6562,7 @@
         </p:sp>
         <p:sp>
           <p:nvSpPr>
-            <p:cNvPr id="46" name="Shape 46"/>
+            <p:cNvPr id="48" name="Shape 48"/>
             <p:cNvSpPr/>
             <p:nvPr/>
           </p:nvSpPr>
@@ -4356,7 +6610,7 @@
         </p:sp>
         <p:sp>
           <p:nvSpPr>
-            <p:cNvPr id="47" name="Shape 47"/>
+            <p:cNvPr id="49" name="Shape 49"/>
             <p:cNvSpPr/>
             <p:nvPr/>
           </p:nvSpPr>
@@ -4405,7 +6659,7 @@
         </p:sp>
         <p:sp>
           <p:nvSpPr>
-            <p:cNvPr id="48" name="Shape 48"/>
+            <p:cNvPr id="50" name="Shape 50"/>
             <p:cNvSpPr/>
             <p:nvPr/>
           </p:nvSpPr>
@@ -4454,7 +6708,7 @@
         </p:sp>
         <p:sp>
           <p:nvSpPr>
-            <p:cNvPr id="49" name="Shape 49"/>
+            <p:cNvPr id="51" name="Shape 51"/>
             <p:cNvSpPr/>
             <p:nvPr/>
           </p:nvSpPr>
@@ -4503,14 +6757,14 @@
         </p:sp>
         <p:sp>
           <p:nvSpPr>
-            <p:cNvPr id="50" name="Shape 50"/>
+            <p:cNvPr id="52" name="Shape 52"/>
             <p:cNvSpPr/>
             <p:nvPr/>
           </p:nvSpPr>
           <p:spPr>
             <a:xfrm>
-              <a:off x="8655208" y="4802658"/>
-              <a:ext cx="1879283" cy="482601"/>
+              <a:off x="8655208" y="4802659"/>
+              <a:ext cx="1879284" cy="482601"/>
             </a:xfrm>
             <a:prstGeom prst="rect">
               <a:avLst/>
@@ -4549,7 +6803,7 @@
         </p:sp>
         <p:sp>
           <p:nvSpPr>
-            <p:cNvPr id="51" name="Shape 51"/>
+            <p:cNvPr id="53" name="Shape 53"/>
             <p:cNvSpPr/>
             <p:nvPr/>
           </p:nvSpPr>
@@ -4592,14 +6846,14 @@
         </p:sp>
         <p:sp>
           <p:nvSpPr>
-            <p:cNvPr id="52" name="Shape 52"/>
+            <p:cNvPr id="54" name="Shape 54"/>
             <p:cNvSpPr/>
             <p:nvPr/>
           </p:nvSpPr>
           <p:spPr>
             <a:xfrm>
-              <a:off x="9331413" y="2478391"/>
-              <a:ext cx="1746073" cy="622301"/>
+              <a:off x="9331412" y="2478391"/>
+              <a:ext cx="1746074" cy="622301"/>
             </a:xfrm>
             <a:prstGeom prst="rect">
               <a:avLst/>
@@ -4639,7 +6893,7 @@
       </p:grpSp>
       <p:sp>
         <p:nvSpPr>
-          <p:cNvPr id="54" name="Shape 54"/>
+          <p:cNvPr id="56" name="Shape 56"/>
           <p:cNvSpPr/>
           <p:nvPr/>
         </p:nvSpPr>
@@ -4727,7 +6981,7 @@
                                       <p:cBhvr>
                                         <p:cTn id="6" fill="hold"/>
                                         <p:tgtEl>
-                                          <p:spTgt spid="40"/>
+                                          <p:spTgt spid="42"/>
                                         </p:tgtEl>
                                         <p:attrNameLst>
                                           <p:attrName>style.visibility</p:attrName>
@@ -4771,7 +7025,7 @@
                                       <p:cBhvr>
                                         <p:cTn id="10" fill="hold"/>
                                         <p:tgtEl>
-                                          <p:spTgt spid="53"/>
+                                          <p:spTgt spid="55"/>
                                         </p:tgtEl>
                                         <p:attrNameLst>
                                           <p:attrName>style.visibility</p:attrName>
@@ -4812,562 +7066,14 @@
       </p:par>
     </p:tnLst>
     <p:bldLst>
-      <p:bldP build="whole" bldLvl="1" animBg="1" rev="0" advAuto="0" spid="40" grpId="1"/>
-      <p:bldP build="whole" bldLvl="1" animBg="1" rev="0" advAuto="0" spid="53" grpId="2"/>
+      <p:bldP build="whole" bldLvl="1" animBg="1" rev="0" advAuto="0" spid="55" grpId="2"/>
+      <p:bldP build="whole" bldLvl="1" animBg="1" rev="0" advAuto="0" spid="42" grpId="1"/>
     </p:bldLst>
   </p:timing>
 </p:sld>
 </file>
 
 <file path=ppt/slides/slide4.xml><?xml version="1.0" encoding="utf-8"?>
-<p:sld xmlns:a="http://schemas.openxmlformats.org/drawingml/2006/main" xmlns:r="http://schemas.openxmlformats.org/officeDocument/2006/relationships" xmlns:p="http://schemas.openxmlformats.org/presentationml/2006/main" showMasterSp="1" showMasterPhAnim="1">
-  <p:cSld>
-    <p:spTree>
-      <p:nvGrpSpPr>
-        <p:cNvPr id="1" name=""/>
-        <p:cNvGrpSpPr/>
-        <p:nvPr/>
-      </p:nvGrpSpPr>
-      <p:grpSpPr>
-        <a:xfrm>
-          <a:off x="0" y="0"/>
-          <a:ext cx="0" cy="0"/>
-          <a:chOff x="0" y="0"/>
-          <a:chExt cx="0" cy="0"/>
-        </a:xfrm>
-      </p:grpSpPr>
-      <p:sp>
-        <p:nvSpPr>
-          <p:cNvPr id="56" name="Shape 56"/>
-          <p:cNvSpPr/>
-          <p:nvPr>
-            <p:ph type="title"/>
-          </p:nvPr>
-        </p:nvSpPr>
-        <p:spPr>
-          <a:prstGeom prst="rect">
-            <a:avLst/>
-          </a:prstGeom>
-        </p:spPr>
-        <p:txBody>
-          <a:bodyPr/>
-          <a:lstStyle/>
-          <a:p>
-            <a:pPr lvl="1" indent="228600">
-              <a:defRPr sz="1800"/>
-            </a:pPr>
-            <a:r>
-              <a:rPr sz="8000"/>
-              <a:t>goals</a:t>
-            </a:r>
-          </a:p>
-        </p:txBody>
-      </p:sp>
-      <p:sp>
-        <p:nvSpPr>
-          <p:cNvPr id="57" name="Shape 57"/>
-          <p:cNvSpPr/>
-          <p:nvPr>
-            <p:ph type="body" idx="1"/>
-          </p:nvPr>
-        </p:nvSpPr>
-        <p:spPr>
-          <a:prstGeom prst="rect">
-            <a:avLst/>
-          </a:prstGeom>
-        </p:spPr>
-        <p:txBody>
-          <a:bodyPr anchor="t"/>
-          <a:lstStyle/>
-          <a:p>
-            <a:pPr lvl="0" marL="513395" indent="-513395" defTabSz="449833">
-              <a:spcBef>
-                <a:spcPts val="3200"/>
-              </a:spcBef>
-              <a:defRPr sz="1800"/>
-            </a:pPr>
-            <a:r>
-              <a:rPr sz="2700"/>
-              <a:t>Build a simple prototype within 7 weeks</a:t>
-            </a:r>
-            <a:endParaRPr sz="2700"/>
-          </a:p>
-          <a:p>
-            <a:pPr lvl="0" marL="513395" indent="-513395" defTabSz="449833">
-              <a:spcBef>
-                <a:spcPts val="3200"/>
-              </a:spcBef>
-              <a:defRPr sz="1800"/>
-            </a:pPr>
-            <a:r>
-              <a:rPr sz="2700"/>
-              <a:t>Features</a:t>
-            </a:r>
-            <a:endParaRPr sz="2700"/>
-          </a:p>
-          <a:p>
-            <a:pPr lvl="1" marL="855660" indent="-513395" defTabSz="449833">
-              <a:spcBef>
-                <a:spcPts val="3200"/>
-              </a:spcBef>
-              <a:defRPr sz="1800"/>
-            </a:pPr>
-            <a:r>
-              <a:rPr sz="2700"/>
-              <a:t>Fetch basic data set from a cloud web service</a:t>
-            </a:r>
-            <a:endParaRPr sz="2700"/>
-          </a:p>
-          <a:p>
-            <a:pPr lvl="1" marL="855660" indent="-513395" defTabSz="449833">
-              <a:spcBef>
-                <a:spcPts val="3200"/>
-              </a:spcBef>
-              <a:defRPr sz="1800"/>
-            </a:pPr>
-            <a:r>
-              <a:rPr sz="2700"/>
-              <a:t>Store/cache data locally to save bandwidth</a:t>
-            </a:r>
-            <a:endParaRPr sz="2700"/>
-          </a:p>
-          <a:p>
-            <a:pPr lvl="1" marL="855660" indent="-513395" defTabSz="449833">
-              <a:spcBef>
-                <a:spcPts val="3200"/>
-              </a:spcBef>
-              <a:defRPr sz="1800"/>
-            </a:pPr>
-            <a:r>
-              <a:rPr sz="2700"/>
-              <a:t>Visualize data on a heatmap</a:t>
-            </a:r>
-            <a:endParaRPr sz="2700"/>
-          </a:p>
-          <a:p>
-            <a:pPr lvl="1" marL="855660" indent="-513395" defTabSz="449833">
-              <a:spcBef>
-                <a:spcPts val="3200"/>
-              </a:spcBef>
-              <a:defRPr sz="1800"/>
-            </a:pPr>
-            <a:r>
-              <a:rPr sz="2700"/>
-              <a:t>Allow the user to set his own preferences</a:t>
-            </a:r>
-          </a:p>
-        </p:txBody>
-      </p:sp>
-      <p:sp>
-        <p:nvSpPr>
-          <p:cNvPr id="58" name="Shape 58"/>
-          <p:cNvSpPr/>
-          <p:nvPr/>
-        </p:nvSpPr>
-        <p:spPr>
-          <a:xfrm>
-            <a:off x="8027044" y="9283700"/>
-            <a:ext cx="4787901" cy="351037"/>
-          </a:xfrm>
-          <a:prstGeom prst="rect">
-            <a:avLst/>
-          </a:prstGeom>
-          <a:ln w="12700">
-            <a:miter lim="400000"/>
-          </a:ln>
-          <a:extLst>
-            <a:ext uri="{C572A759-6A51-4108-AA02-DFA0A04FC94B}">
-              <ma14:wrappingTextBoxFlag xmlns:ma14="http://schemas.microsoft.com/office/mac/drawingml/2011/main" val="1"/>
-            </a:ext>
-          </a:extLst>
-        </p:spPr>
-        <p:txBody>
-          <a:bodyPr lIns="0" tIns="0" rIns="0" bIns="0">
-            <a:normAutofit fontScale="100000" lnSpcReduction="0"/>
-          </a:bodyPr>
-          <a:lstStyle/>
-          <a:p>
-            <a:pPr lvl="0" algn="l" defTabSz="315468">
-              <a:defRPr sz="1800"/>
-            </a:pPr>
-            <a:r>
-              <a:rPr>
-                <a:solidFill>
-                  <a:srgbClr val="4E4E4E"/>
-                </a:solidFill>
-              </a:rPr>
-              <a:t>André Gasser, Attila Horvath, </a:t>
-            </a:r>
-            <a:r>
-              <a:rPr sz="1700">
-                <a:solidFill>
-                  <a:srgbClr val="4E4E4E"/>
-                </a:solidFill>
-              </a:rPr>
-              <a:t>Tobias Schäuble</a:t>
-            </a:r>
-          </a:p>
-        </p:txBody>
-      </p:sp>
-    </p:spTree>
-  </p:cSld>
-  <p:clrMapOvr>
-    <a:masterClrMapping/>
-  </p:clrMapOvr>
-  <p:transition spd="med" advClick="1"/>
-  <p:timing>
-    <p:tnLst>
-      <p:par>
-        <p:cTn id="1" nodeType="tmRoot" restart="never" dur="indefinite" fill="hold">
-          <p:childTnLst>
-            <p:seq concurrent="1" prevAc="none" nextAc="seek">
-              <p:cTn id="2" nodeType="mainSeq" dur="indefinite" fill="hold">
-                <p:childTnLst>
-                  <p:par>
-                    <p:cTn id="3" fill="hold">
-                      <p:stCondLst>
-                        <p:cond delay="indefinite"/>
-                      </p:stCondLst>
-                      <p:childTnLst>
-                        <p:par>
-                          <p:cTn id="4" fill="hold">
-                            <p:stCondLst>
-                              <p:cond delay="0"/>
-                            </p:stCondLst>
-                            <p:childTnLst>
-                              <p:par>
-                                <p:cTn id="5" nodeType="clickEffect" presetClass="entr" presetSubtype="0" presetID="1" grpId="1" fill="hold">
-                                  <p:stCondLst>
-                                    <p:cond delay="0"/>
-                                  </p:stCondLst>
-                                  <p:iterate type="el" backwards="0">
-                                    <p:tmAbs val="0"/>
-                                  </p:iterate>
-                                  <p:childTnLst>
-                                    <p:set>
-                                      <p:cBhvr>
-                                        <p:cTn id="6" fill="hold"/>
-                                        <p:tgtEl>
-                                          <p:spTgt spid="57">
-                                            <p:bg/>
-                                          </p:spTgt>
-                                        </p:tgtEl>
-                                        <p:attrNameLst>
-                                          <p:attrName>style.visibility</p:attrName>
-                                        </p:attrNameLst>
-                                      </p:cBhvr>
-                                      <p:to>
-                                        <p:strVal val="visible"/>
-                                      </p:to>
-                                    </p:set>
-                                  </p:childTnLst>
-                                </p:cTn>
-                              </p:par>
-                              <p:par>
-                                <p:cTn id="7" presetClass="entr" presetSubtype="0" presetID="1" grpId="1" fill="hold">
-                                  <p:stCondLst>
-                                    <p:cond delay="0"/>
-                                  </p:stCondLst>
-                                  <p:iterate type="el" backwards="0">
-                                    <p:tmAbs val="0"/>
-                                  </p:iterate>
-                                  <p:childTnLst>
-                                    <p:set>
-                                      <p:cBhvr>
-                                        <p:cTn id="8" fill="hold"/>
-                                        <p:tgtEl>
-                                          <p:spTgt spid="57">
-                                            <p:txEl>
-                                              <p:pRg st="0" end="0"/>
-                                            </p:txEl>
-                                          </p:spTgt>
-                                        </p:tgtEl>
-                                        <p:attrNameLst>
-                                          <p:attrName>style.visibility</p:attrName>
-                                        </p:attrNameLst>
-                                      </p:cBhvr>
-                                      <p:to>
-                                        <p:strVal val="visible"/>
-                                      </p:to>
-                                    </p:set>
-                                  </p:childTnLst>
-                                </p:cTn>
-                              </p:par>
-                            </p:childTnLst>
-                          </p:cTn>
-                        </p:par>
-                      </p:childTnLst>
-                    </p:cTn>
-                  </p:par>
-                  <p:par>
-                    <p:cTn id="9" fill="hold">
-                      <p:stCondLst>
-                        <p:cond delay="indefinite"/>
-                      </p:stCondLst>
-                      <p:childTnLst>
-                        <p:par>
-                          <p:cTn id="10" fill="hold">
-                            <p:stCondLst>
-                              <p:cond delay="0"/>
-                            </p:stCondLst>
-                            <p:childTnLst>
-                              <p:par>
-                                <p:cTn id="11" nodeType="clickEffect" presetClass="entr" presetSubtype="0" presetID="1" grpId="1" fill="hold">
-                                  <p:stCondLst>
-                                    <p:cond delay="0"/>
-                                  </p:stCondLst>
-                                  <p:iterate type="el" backwards="0">
-                                    <p:tmAbs val="0"/>
-                                  </p:iterate>
-                                  <p:childTnLst>
-                                    <p:set>
-                                      <p:cBhvr>
-                                        <p:cTn id="12" fill="hold"/>
-                                        <p:tgtEl>
-                                          <p:spTgt spid="57">
-                                            <p:txEl>
-                                              <p:pRg st="1" end="1"/>
-                                            </p:txEl>
-                                          </p:spTgt>
-                                        </p:tgtEl>
-                                        <p:attrNameLst>
-                                          <p:attrName>style.visibility</p:attrName>
-                                        </p:attrNameLst>
-                                      </p:cBhvr>
-                                      <p:to>
-                                        <p:strVal val="visible"/>
-                                      </p:to>
-                                    </p:set>
-                                  </p:childTnLst>
-                                </p:cTn>
-                              </p:par>
-                            </p:childTnLst>
-                          </p:cTn>
-                        </p:par>
-                      </p:childTnLst>
-                    </p:cTn>
-                  </p:par>
-                  <p:par>
-                    <p:cTn id="13" fill="hold">
-                      <p:stCondLst>
-                        <p:cond delay="indefinite"/>
-                      </p:stCondLst>
-                      <p:childTnLst>
-                        <p:par>
-                          <p:cTn id="14" fill="hold">
-                            <p:stCondLst>
-                              <p:cond delay="0"/>
-                            </p:stCondLst>
-                            <p:childTnLst>
-                              <p:par>
-                                <p:cTn id="15" nodeType="clickEffect" presetClass="entr" presetSubtype="0" presetID="1" grpId="1" fill="hold">
-                                  <p:stCondLst>
-                                    <p:cond delay="0"/>
-                                  </p:stCondLst>
-                                  <p:iterate type="el" backwards="0">
-                                    <p:tmAbs val="0"/>
-                                  </p:iterate>
-                                  <p:childTnLst>
-                                    <p:set>
-                                      <p:cBhvr>
-                                        <p:cTn id="16" fill="hold"/>
-                                        <p:tgtEl>
-                                          <p:spTgt spid="57">
-                                            <p:txEl>
-                                              <p:pRg st="2" end="2"/>
-                                            </p:txEl>
-                                          </p:spTgt>
-                                        </p:tgtEl>
-                                        <p:attrNameLst>
-                                          <p:attrName>style.visibility</p:attrName>
-                                        </p:attrNameLst>
-                                      </p:cBhvr>
-                                      <p:to>
-                                        <p:strVal val="visible"/>
-                                      </p:to>
-                                    </p:set>
-                                  </p:childTnLst>
-                                </p:cTn>
-                              </p:par>
-                            </p:childTnLst>
-                          </p:cTn>
-                        </p:par>
-                      </p:childTnLst>
-                    </p:cTn>
-                  </p:par>
-                  <p:par>
-                    <p:cTn id="17" fill="hold">
-                      <p:stCondLst>
-                        <p:cond delay="indefinite"/>
-                      </p:stCondLst>
-                      <p:childTnLst>
-                        <p:par>
-                          <p:cTn id="18" fill="hold">
-                            <p:stCondLst>
-                              <p:cond delay="0"/>
-                            </p:stCondLst>
-                            <p:childTnLst>
-                              <p:par>
-                                <p:cTn id="19" nodeType="clickEffect" presetClass="entr" presetSubtype="0" presetID="1" grpId="1" fill="hold">
-                                  <p:stCondLst>
-                                    <p:cond delay="0"/>
-                                  </p:stCondLst>
-                                  <p:iterate type="el" backwards="0">
-                                    <p:tmAbs val="0"/>
-                                  </p:iterate>
-                                  <p:childTnLst>
-                                    <p:set>
-                                      <p:cBhvr>
-                                        <p:cTn id="20" fill="hold"/>
-                                        <p:tgtEl>
-                                          <p:spTgt spid="57">
-                                            <p:txEl>
-                                              <p:pRg st="3" end="3"/>
-                                            </p:txEl>
-                                          </p:spTgt>
-                                        </p:tgtEl>
-                                        <p:attrNameLst>
-                                          <p:attrName>style.visibility</p:attrName>
-                                        </p:attrNameLst>
-                                      </p:cBhvr>
-                                      <p:to>
-                                        <p:strVal val="visible"/>
-                                      </p:to>
-                                    </p:set>
-                                  </p:childTnLst>
-                                </p:cTn>
-                              </p:par>
-                            </p:childTnLst>
-                          </p:cTn>
-                        </p:par>
-                      </p:childTnLst>
-                    </p:cTn>
-                  </p:par>
-                  <p:par>
-                    <p:cTn id="21" fill="hold">
-                      <p:stCondLst>
-                        <p:cond delay="indefinite"/>
-                      </p:stCondLst>
-                      <p:childTnLst>
-                        <p:par>
-                          <p:cTn id="22" fill="hold">
-                            <p:stCondLst>
-                              <p:cond delay="0"/>
-                            </p:stCondLst>
-                            <p:childTnLst>
-                              <p:par>
-                                <p:cTn id="23" nodeType="clickEffect" presetClass="entr" presetSubtype="0" presetID="1" grpId="1" fill="hold">
-                                  <p:stCondLst>
-                                    <p:cond delay="0"/>
-                                  </p:stCondLst>
-                                  <p:iterate type="el" backwards="0">
-                                    <p:tmAbs val="0"/>
-                                  </p:iterate>
-                                  <p:childTnLst>
-                                    <p:set>
-                                      <p:cBhvr>
-                                        <p:cTn id="24" fill="hold"/>
-                                        <p:tgtEl>
-                                          <p:spTgt spid="57">
-                                            <p:txEl>
-                                              <p:pRg st="4" end="4"/>
-                                            </p:txEl>
-                                          </p:spTgt>
-                                        </p:tgtEl>
-                                        <p:attrNameLst>
-                                          <p:attrName>style.visibility</p:attrName>
-                                        </p:attrNameLst>
-                                      </p:cBhvr>
-                                      <p:to>
-                                        <p:strVal val="visible"/>
-                                      </p:to>
-                                    </p:set>
-                                  </p:childTnLst>
-                                </p:cTn>
-                              </p:par>
-                            </p:childTnLst>
-                          </p:cTn>
-                        </p:par>
-                      </p:childTnLst>
-                    </p:cTn>
-                  </p:par>
-                  <p:par>
-                    <p:cTn id="25" fill="hold">
-                      <p:stCondLst>
-                        <p:cond delay="indefinite"/>
-                      </p:stCondLst>
-                      <p:childTnLst>
-                        <p:par>
-                          <p:cTn id="26" fill="hold">
-                            <p:stCondLst>
-                              <p:cond delay="0"/>
-                            </p:stCondLst>
-                            <p:childTnLst>
-                              <p:par>
-                                <p:cTn id="27" nodeType="clickEffect" presetClass="entr" presetSubtype="0" presetID="1" grpId="1" fill="hold">
-                                  <p:stCondLst>
-                                    <p:cond delay="0"/>
-                                  </p:stCondLst>
-                                  <p:iterate type="el" backwards="0">
-                                    <p:tmAbs val="0"/>
-                                  </p:iterate>
-                                  <p:childTnLst>
-                                    <p:set>
-                                      <p:cBhvr>
-                                        <p:cTn id="28" fill="hold"/>
-                                        <p:tgtEl>
-                                          <p:spTgt spid="57">
-                                            <p:txEl>
-                                              <p:pRg st="5" end="5"/>
-                                            </p:txEl>
-                                          </p:spTgt>
-                                        </p:tgtEl>
-                                        <p:attrNameLst>
-                                          <p:attrName>style.visibility</p:attrName>
-                                        </p:attrNameLst>
-                                      </p:cBhvr>
-                                      <p:to>
-                                        <p:strVal val="visible"/>
-                                      </p:to>
-                                    </p:set>
-                                  </p:childTnLst>
-                                </p:cTn>
-                              </p:par>
-                            </p:childTnLst>
-                          </p:cTn>
-                        </p:par>
-                      </p:childTnLst>
-                    </p:cTn>
-                  </p:par>
-                </p:childTnLst>
-              </p:cTn>
-              <p:prevCondLst>
-                <p:cond evt="onPrev">
-                  <p:tgtEl>
-                    <p:sldTgt/>
-                  </p:tgtEl>
-                </p:cond>
-              </p:prevCondLst>
-              <p:nextCondLst>
-                <p:cond evt="onNext">
-                  <p:tgtEl>
-                    <p:sldTgt/>
-                  </p:tgtEl>
-                </p:cond>
-              </p:nextCondLst>
-            </p:seq>
-          </p:childTnLst>
-        </p:cTn>
-      </p:par>
-    </p:tnLst>
-    <p:bldLst>
-      <p:bldP build="p" bldLvl="5" animBg="1" rev="0" advAuto="0" spid="57" grpId="1"/>
-    </p:bldLst>
-  </p:timing>
-</p:sld>
-</file>
-
-<file path=ppt/slides/slide5.xml><?xml version="1.0" encoding="utf-8"?>
 <p:sld xmlns:a="http://schemas.openxmlformats.org/drawingml/2006/main" xmlns:r="http://schemas.openxmlformats.org/officeDocument/2006/relationships" xmlns:p="http://schemas.openxmlformats.org/presentationml/2006/main" showMasterSp="1" showMasterPhAnim="1">
   <p:cSld>
     <p:spTree>
@@ -5401,12 +7107,12 @@
           <a:bodyPr/>
           <a:lstStyle/>
           <a:p>
-            <a:pPr lvl="1" indent="208026" defTabSz="531622">
-              <a:defRPr sz="1800"/>
-            </a:pPr>
-            <a:r>
-              <a:rPr sz="7280"/>
-              <a:t>background / related work</a:t>
+            <a:pPr lvl="1" indent="228600">
+              <a:defRPr sz="1800"/>
+            </a:pPr>
+            <a:r>
+              <a:rPr sz="8000"/>
+              <a:t>goals</a:t>
             </a:r>
           </a:p>
         </p:txBody>
@@ -5428,32 +7134,6 @@
           <a:bodyPr anchor="t"/>
           <a:lstStyle/>
           <a:p>
-            <a:pPr lvl="0" marL="342263" indent="-342263" defTabSz="449833">
-              <a:spcBef>
-                <a:spcPts val="3200"/>
-              </a:spcBef>
-              <a:defRPr sz="1800"/>
-            </a:pPr>
-            <a:r>
-              <a:rPr sz="2700"/>
-              <a:t>huge amount of geographic information</a:t>
-            </a:r>
-            <a:endParaRPr sz="2700"/>
-          </a:p>
-          <a:p>
-            <a:pPr lvl="1" marL="684528" indent="-342263" defTabSz="449833">
-              <a:spcBef>
-                <a:spcPts val="3200"/>
-              </a:spcBef>
-              <a:defRPr sz="1800"/>
-            </a:pPr>
-            <a:r>
-              <a:rPr sz="2700"/>
-              <a:t>Example database: www.geo.admin.ch, www.swisstopo.admin.ch, www.datahub.io</a:t>
-            </a:r>
-            <a:endParaRPr sz="2700"/>
-          </a:p>
-          <a:p>
             <a:pPr lvl="0" marL="513395" indent="-513395" defTabSz="449833">
               <a:spcBef>
                 <a:spcPts val="3200"/>
@@ -5462,9 +7142,86 @@
             </a:pPr>
             <a:r>
               <a:rPr sz="2700"/>
-              <a:t>Google Maps API developers.google.com/maps</a:t>
+              <a:t>Build a simple prototype within 7 weeks</a:t>
             </a:r>
             <a:endParaRPr sz="2700"/>
+          </a:p>
+          <a:p>
+            <a:pPr lvl="0" marL="513395" indent="-513395" defTabSz="449833">
+              <a:spcBef>
+                <a:spcPts val="3200"/>
+              </a:spcBef>
+              <a:defRPr sz="1800"/>
+            </a:pPr>
+            <a:r>
+              <a:rPr sz="2700"/>
+              <a:t>Features</a:t>
+            </a:r>
+            <a:endParaRPr sz="2700"/>
+          </a:p>
+          <a:p>
+            <a:pPr lvl="1" marL="855660" indent="-513395" defTabSz="449833">
+              <a:spcBef>
+                <a:spcPts val="3200"/>
+              </a:spcBef>
+              <a:defRPr sz="1800"/>
+            </a:pPr>
+            <a:r>
+              <a:rPr sz="2700"/>
+              <a:t>Fetch basic data set from a cloud web service</a:t>
+            </a:r>
+            <a:endParaRPr sz="2700"/>
+          </a:p>
+          <a:p>
+            <a:pPr lvl="1" marL="855660" indent="-513395" defTabSz="449833">
+              <a:spcBef>
+                <a:spcPts val="3200"/>
+              </a:spcBef>
+              <a:defRPr sz="1800"/>
+            </a:pPr>
+            <a:r>
+              <a:rPr sz="2700"/>
+              <a:t>Store/cache data locally to save bandwidth</a:t>
+            </a:r>
+            <a:endParaRPr sz="2700"/>
+          </a:p>
+          <a:p>
+            <a:pPr lvl="1" marL="855660" indent="-513395" defTabSz="449833">
+              <a:spcBef>
+                <a:spcPts val="3200"/>
+              </a:spcBef>
+              <a:defRPr sz="1800"/>
+            </a:pPr>
+            <a:r>
+              <a:rPr sz="2700"/>
+              <a:t>Visualize data on a heatmap</a:t>
+            </a:r>
+            <a:endParaRPr sz="2700"/>
+          </a:p>
+          <a:p>
+            <a:pPr lvl="1" marL="855660" indent="-513395" defTabSz="449833">
+              <a:spcBef>
+                <a:spcPts val="3200"/>
+              </a:spcBef>
+              <a:defRPr sz="1800"/>
+            </a:pPr>
+            <a:r>
+              <a:rPr sz="2700"/>
+              <a:t>Allow the user to set his own preferences</a:t>
+            </a:r>
+            <a:endParaRPr sz="2700"/>
+          </a:p>
+          <a:p>
+            <a:pPr lvl="1" marL="855660" indent="-513395" defTabSz="449833">
+              <a:spcBef>
+                <a:spcPts val="3200"/>
+              </a:spcBef>
+              <a:defRPr sz="1800"/>
+            </a:pPr>
+            <a:r>
+              <a:rPr sz="2700"/>
+              <a:t>Store personal preferences</a:t>
+            </a:r>
           </a:p>
         </p:txBody>
       </p:sp>
@@ -5753,6 +7510,150 @@
                       </p:childTnLst>
                     </p:cTn>
                   </p:par>
+                  <p:par>
+                    <p:cTn id="21" fill="hold">
+                      <p:stCondLst>
+                        <p:cond delay="indefinite"/>
+                      </p:stCondLst>
+                      <p:childTnLst>
+                        <p:par>
+                          <p:cTn id="22" fill="hold">
+                            <p:stCondLst>
+                              <p:cond delay="0"/>
+                            </p:stCondLst>
+                            <p:childTnLst>
+                              <p:par>
+                                <p:cTn id="23" nodeType="clickEffect" presetClass="entr" presetSubtype="0" presetID="1" grpId="1" fill="hold">
+                                  <p:stCondLst>
+                                    <p:cond delay="0"/>
+                                  </p:stCondLst>
+                                  <p:iterate type="el" backwards="0">
+                                    <p:tmAbs val="0"/>
+                                  </p:iterate>
+                                  <p:childTnLst>
+                                    <p:set>
+                                      <p:cBhvr>
+                                        <p:cTn id="24" fill="hold"/>
+                                        <p:tgtEl>
+                                          <p:spTgt spid="61">
+                                            <p:txEl>
+                                              <p:pRg st="4" end="4"/>
+                                            </p:txEl>
+                                          </p:spTgt>
+                                        </p:tgtEl>
+                                        <p:attrNameLst>
+                                          <p:attrName>style.visibility</p:attrName>
+                                        </p:attrNameLst>
+                                      </p:cBhvr>
+                                      <p:to>
+                                        <p:strVal val="visible"/>
+                                      </p:to>
+                                    </p:set>
+                                  </p:childTnLst>
+                                </p:cTn>
+                              </p:par>
+                            </p:childTnLst>
+                          </p:cTn>
+                        </p:par>
+                      </p:childTnLst>
+                    </p:cTn>
+                  </p:par>
+                  <p:par>
+                    <p:cTn id="25" fill="hold">
+                      <p:stCondLst>
+                        <p:cond delay="indefinite"/>
+                      </p:stCondLst>
+                      <p:childTnLst>
+                        <p:par>
+                          <p:cTn id="26" fill="hold">
+                            <p:stCondLst>
+                              <p:cond delay="0"/>
+                            </p:stCondLst>
+                            <p:childTnLst>
+                              <p:par>
+                                <p:cTn id="27" nodeType="clickEffect" presetClass="entr" presetSubtype="0" presetID="1" grpId="1" fill="hold">
+                                  <p:stCondLst>
+                                    <p:cond delay="0"/>
+                                  </p:stCondLst>
+                                  <p:iterate type="el" backwards="0">
+                                    <p:tmAbs val="0"/>
+                                  </p:iterate>
+                                  <p:childTnLst>
+                                    <p:set>
+                                      <p:cBhvr>
+                                        <p:cTn id="28" fill="hold"/>
+                                        <p:tgtEl>
+                                          <p:spTgt spid="61">
+                                            <p:txEl>
+                                              <p:pRg st="5" end="5"/>
+                                            </p:txEl>
+                                          </p:spTgt>
+                                        </p:tgtEl>
+                                        <p:attrNameLst>
+                                          <p:attrName>style.visibility</p:attrName>
+                                        </p:attrNameLst>
+                                      </p:cBhvr>
+                                      <p:to>
+                                        <p:strVal val="visible"/>
+                                      </p:to>
+                                    </p:set>
+                                  </p:childTnLst>
+                                </p:cTn>
+                              </p:par>
+                            </p:childTnLst>
+                          </p:cTn>
+                        </p:par>
+                      </p:childTnLst>
+                    </p:cTn>
+                  </p:par>
+                  <p:par>
+                    <p:cTn id="29" fill="hold">
+                      <p:stCondLst>
+                        <p:cond delay="indefinite"/>
+                      </p:stCondLst>
+                      <p:childTnLst>
+                        <p:par>
+                          <p:cTn id="30" fill="hold">
+                            <p:stCondLst>
+                              <p:cond delay="0"/>
+                            </p:stCondLst>
+                            <p:childTnLst>
+                              <p:par>
+                                <p:cTn id="31" nodeType="clickEffect" presetClass="entr" presetSubtype="0" presetID="1" grpId="1" fill="hold">
+                                  <p:stCondLst>
+                                    <p:cond delay="0"/>
+                                  </p:stCondLst>
+                                  <p:iterate type="el" backwards="0">
+                                    <p:tmAbs val="0"/>
+                                  </p:iterate>
+                                  <p:childTnLst>
+                                    <p:set>
+                                      <p:cBhvr>
+                                        <p:cTn id="32" fill="hold"/>
+                                        <p:tgtEl>
+                                          <p:spTgt spid="61">
+                                            <p:txEl>
+                                              <p:pRg st="6" end="6"/>
+                                            </p:txEl>
+                                          </p:spTgt>
+                                        </p:tgtEl>
+                                        <p:attrNameLst>
+                                          <p:attrName>style.visibility</p:attrName>
+                                        </p:attrNameLst>
+                                      </p:cBhvr>
+                                      <p:to>
+                                        <p:strVal val="visible"/>
+                                      </p:to>
+                                    </p:set>
+                                  </p:childTnLst>
+                                </p:cTn>
+                              </p:par>
+                            </p:childTnLst>
+                          </p:cTn>
+                        </p:par>
+                      </p:childTnLst>
+                    </p:cTn>
+                  </p:par>
                 </p:childTnLst>
               </p:cTn>
               <p:prevCondLst>
@@ -5781,6 +7682,493 @@
 </p:sld>
 </file>
 
+<file path=ppt/slides/slide5.xml><?xml version="1.0" encoding="utf-8"?>
+<p:sld xmlns:a="http://schemas.openxmlformats.org/drawingml/2006/main" xmlns:r="http://schemas.openxmlformats.org/officeDocument/2006/relationships" xmlns:p="http://schemas.openxmlformats.org/presentationml/2006/main" showMasterSp="1" showMasterPhAnim="1">
+  <p:cSld>
+    <p:spTree>
+      <p:nvGrpSpPr>
+        <p:cNvPr id="1" name=""/>
+        <p:cNvGrpSpPr/>
+        <p:nvPr/>
+      </p:nvGrpSpPr>
+      <p:grpSpPr>
+        <a:xfrm>
+          <a:off x="0" y="0"/>
+          <a:ext cx="0" cy="0"/>
+          <a:chOff x="0" y="0"/>
+          <a:chExt cx="0" cy="0"/>
+        </a:xfrm>
+      </p:grpSpPr>
+      <p:sp>
+        <p:nvSpPr>
+          <p:cNvPr id="66" name="Shape 66"/>
+          <p:cNvSpPr/>
+          <p:nvPr>
+            <p:ph type="title"/>
+          </p:nvPr>
+        </p:nvSpPr>
+        <p:spPr>
+          <a:prstGeom prst="rect">
+            <a:avLst/>
+          </a:prstGeom>
+        </p:spPr>
+        <p:txBody>
+          <a:bodyPr/>
+          <a:lstStyle/>
+          <a:p>
+            <a:pPr lvl="1" indent="208026" defTabSz="531622">
+              <a:defRPr sz="1800"/>
+            </a:pPr>
+            <a:r>
+              <a:rPr sz="7280"/>
+              <a:t>background / related work</a:t>
+            </a:r>
+          </a:p>
+        </p:txBody>
+      </p:sp>
+      <p:sp>
+        <p:nvSpPr>
+          <p:cNvPr id="67" name="Shape 67"/>
+          <p:cNvSpPr/>
+          <p:nvPr>
+            <p:ph type="body" idx="1"/>
+          </p:nvPr>
+        </p:nvSpPr>
+        <p:spPr>
+          <a:prstGeom prst="rect">
+            <a:avLst/>
+          </a:prstGeom>
+        </p:spPr>
+        <p:txBody>
+          <a:bodyPr anchor="t"/>
+          <a:lstStyle/>
+          <a:p>
+            <a:pPr lvl="0" marL="342263" indent="-342263" defTabSz="449833">
+              <a:spcBef>
+                <a:spcPts val="3200"/>
+              </a:spcBef>
+              <a:defRPr sz="1800"/>
+            </a:pPr>
+            <a:r>
+              <a:rPr sz="2700"/>
+              <a:t>huge amount of geographic information</a:t>
+            </a:r>
+            <a:endParaRPr sz="2700"/>
+          </a:p>
+          <a:p>
+            <a:pPr lvl="1" marL="684528" indent="-342263" defTabSz="449833">
+              <a:spcBef>
+                <a:spcPts val="3200"/>
+              </a:spcBef>
+              <a:defRPr sz="1800"/>
+            </a:pPr>
+            <a:r>
+              <a:rPr sz="2700"/>
+              <a:t>Example database: www.geo.admin.ch, www.swisstopo.admin.ch, www.datahub.io</a:t>
+            </a:r>
+            <a:endParaRPr sz="2700"/>
+          </a:p>
+          <a:p>
+            <a:pPr lvl="0" marL="513395" indent="-513395" defTabSz="449833">
+              <a:spcBef>
+                <a:spcPts val="3200"/>
+              </a:spcBef>
+              <a:defRPr sz="1800"/>
+            </a:pPr>
+            <a:r>
+              <a:rPr sz="2700"/>
+              <a:t>Google Maps API developers.google.com/maps</a:t>
+            </a:r>
+            <a:endParaRPr sz="2700"/>
+          </a:p>
+          <a:p>
+            <a:pPr lvl="0" marL="513395" indent="-513395" defTabSz="449833">
+              <a:spcBef>
+                <a:spcPts val="3200"/>
+              </a:spcBef>
+              <a:defRPr sz="1800"/>
+            </a:pPr>
+            <a:r>
+              <a:rPr sz="2700"/>
+              <a:t>MapBox API www.mapbox.com </a:t>
+            </a:r>
+            <a:endParaRPr sz="2700"/>
+          </a:p>
+          <a:p>
+            <a:pPr lvl="0" marL="513395" indent="-513395" defTabSz="449833">
+              <a:spcBef>
+                <a:spcPts val="3200"/>
+              </a:spcBef>
+              <a:defRPr sz="1800"/>
+            </a:pPr>
+            <a:r>
+              <a:rPr sz="2700"/>
+              <a:t>Google Places </a:t>
+            </a:r>
+          </a:p>
+        </p:txBody>
+      </p:sp>
+      <p:sp>
+        <p:nvSpPr>
+          <p:cNvPr id="68" name="Shape 68"/>
+          <p:cNvSpPr/>
+          <p:nvPr/>
+        </p:nvSpPr>
+        <p:spPr>
+          <a:xfrm>
+            <a:off x="8027044" y="9283700"/>
+            <a:ext cx="4787901" cy="351037"/>
+          </a:xfrm>
+          <a:prstGeom prst="rect">
+            <a:avLst/>
+          </a:prstGeom>
+          <a:ln w="12700">
+            <a:miter lim="400000"/>
+          </a:ln>
+          <a:extLst>
+            <a:ext uri="{C572A759-6A51-4108-AA02-DFA0A04FC94B}">
+              <ma14:wrappingTextBoxFlag xmlns:ma14="http://schemas.microsoft.com/office/mac/drawingml/2011/main" val="1"/>
+            </a:ext>
+          </a:extLst>
+        </p:spPr>
+        <p:txBody>
+          <a:bodyPr lIns="0" tIns="0" rIns="0" bIns="0">
+            <a:normAutofit fontScale="100000" lnSpcReduction="0"/>
+          </a:bodyPr>
+          <a:lstStyle/>
+          <a:p>
+            <a:pPr lvl="0" algn="l" defTabSz="315468">
+              <a:defRPr sz="1800"/>
+            </a:pPr>
+            <a:r>
+              <a:rPr>
+                <a:solidFill>
+                  <a:srgbClr val="4E4E4E"/>
+                </a:solidFill>
+              </a:rPr>
+              <a:t>André Gasser, Attila Horvath, </a:t>
+            </a:r>
+            <a:r>
+              <a:rPr sz="1700">
+                <a:solidFill>
+                  <a:srgbClr val="4E4E4E"/>
+                </a:solidFill>
+              </a:rPr>
+              <a:t>Tobias Schäuble</a:t>
+            </a:r>
+          </a:p>
+        </p:txBody>
+      </p:sp>
+    </p:spTree>
+  </p:cSld>
+  <p:clrMapOvr>
+    <a:masterClrMapping/>
+  </p:clrMapOvr>
+  <p:transition spd="med" advClick="1"/>
+  <p:timing>
+    <p:tnLst>
+      <p:par>
+        <p:cTn id="1" nodeType="tmRoot" restart="never" dur="indefinite" fill="hold">
+          <p:childTnLst>
+            <p:seq concurrent="1" prevAc="none" nextAc="seek">
+              <p:cTn id="2" nodeType="mainSeq" dur="indefinite" fill="hold">
+                <p:childTnLst>
+                  <p:par>
+                    <p:cTn id="3" fill="hold">
+                      <p:stCondLst>
+                        <p:cond delay="indefinite"/>
+                      </p:stCondLst>
+                      <p:childTnLst>
+                        <p:par>
+                          <p:cTn id="4" fill="hold">
+                            <p:stCondLst>
+                              <p:cond delay="0"/>
+                            </p:stCondLst>
+                            <p:childTnLst>
+                              <p:par>
+                                <p:cTn id="5" nodeType="clickEffect" presetClass="entr" presetSubtype="0" presetID="1" grpId="1" fill="hold">
+                                  <p:stCondLst>
+                                    <p:cond delay="0"/>
+                                  </p:stCondLst>
+                                  <p:iterate type="el" backwards="0">
+                                    <p:tmAbs val="0"/>
+                                  </p:iterate>
+                                  <p:childTnLst>
+                                    <p:set>
+                                      <p:cBhvr>
+                                        <p:cTn id="6" fill="hold"/>
+                                        <p:tgtEl>
+                                          <p:spTgt spid="67">
+                                            <p:bg/>
+                                          </p:spTgt>
+                                        </p:tgtEl>
+                                        <p:attrNameLst>
+                                          <p:attrName>style.visibility</p:attrName>
+                                        </p:attrNameLst>
+                                      </p:cBhvr>
+                                      <p:to>
+                                        <p:strVal val="visible"/>
+                                      </p:to>
+                                    </p:set>
+                                  </p:childTnLst>
+                                </p:cTn>
+                              </p:par>
+                              <p:par>
+                                <p:cTn id="7" presetClass="entr" presetSubtype="0" presetID="1" grpId="1" fill="hold">
+                                  <p:stCondLst>
+                                    <p:cond delay="0"/>
+                                  </p:stCondLst>
+                                  <p:iterate type="el" backwards="0">
+                                    <p:tmAbs val="0"/>
+                                  </p:iterate>
+                                  <p:childTnLst>
+                                    <p:set>
+                                      <p:cBhvr>
+                                        <p:cTn id="8" fill="hold"/>
+                                        <p:tgtEl>
+                                          <p:spTgt spid="67">
+                                            <p:txEl>
+                                              <p:pRg st="0" end="0"/>
+                                            </p:txEl>
+                                          </p:spTgt>
+                                        </p:tgtEl>
+                                        <p:attrNameLst>
+                                          <p:attrName>style.visibility</p:attrName>
+                                        </p:attrNameLst>
+                                      </p:cBhvr>
+                                      <p:to>
+                                        <p:strVal val="visible"/>
+                                      </p:to>
+                                    </p:set>
+                                  </p:childTnLst>
+                                </p:cTn>
+                              </p:par>
+                            </p:childTnLst>
+                          </p:cTn>
+                        </p:par>
+                      </p:childTnLst>
+                    </p:cTn>
+                  </p:par>
+                  <p:par>
+                    <p:cTn id="9" fill="hold">
+                      <p:stCondLst>
+                        <p:cond delay="indefinite"/>
+                      </p:stCondLst>
+                      <p:childTnLst>
+                        <p:par>
+                          <p:cTn id="10" fill="hold">
+                            <p:stCondLst>
+                              <p:cond delay="0"/>
+                            </p:stCondLst>
+                            <p:childTnLst>
+                              <p:par>
+                                <p:cTn id="11" nodeType="clickEffect" presetClass="entr" presetSubtype="0" presetID="1" grpId="1" fill="hold">
+                                  <p:stCondLst>
+                                    <p:cond delay="0"/>
+                                  </p:stCondLst>
+                                  <p:iterate type="el" backwards="0">
+                                    <p:tmAbs val="0"/>
+                                  </p:iterate>
+                                  <p:childTnLst>
+                                    <p:set>
+                                      <p:cBhvr>
+                                        <p:cTn id="12" fill="hold"/>
+                                        <p:tgtEl>
+                                          <p:spTgt spid="67">
+                                            <p:txEl>
+                                              <p:pRg st="1" end="1"/>
+                                            </p:txEl>
+                                          </p:spTgt>
+                                        </p:tgtEl>
+                                        <p:attrNameLst>
+                                          <p:attrName>style.visibility</p:attrName>
+                                        </p:attrNameLst>
+                                      </p:cBhvr>
+                                      <p:to>
+                                        <p:strVal val="visible"/>
+                                      </p:to>
+                                    </p:set>
+                                  </p:childTnLst>
+                                </p:cTn>
+                              </p:par>
+                            </p:childTnLst>
+                          </p:cTn>
+                        </p:par>
+                      </p:childTnLst>
+                    </p:cTn>
+                  </p:par>
+                  <p:par>
+                    <p:cTn id="13" fill="hold">
+                      <p:stCondLst>
+                        <p:cond delay="indefinite"/>
+                      </p:stCondLst>
+                      <p:childTnLst>
+                        <p:par>
+                          <p:cTn id="14" fill="hold">
+                            <p:stCondLst>
+                              <p:cond delay="0"/>
+                            </p:stCondLst>
+                            <p:childTnLst>
+                              <p:par>
+                                <p:cTn id="15" nodeType="clickEffect" presetClass="entr" presetSubtype="0" presetID="1" grpId="1" fill="hold">
+                                  <p:stCondLst>
+                                    <p:cond delay="0"/>
+                                  </p:stCondLst>
+                                  <p:iterate type="el" backwards="0">
+                                    <p:tmAbs val="0"/>
+                                  </p:iterate>
+                                  <p:childTnLst>
+                                    <p:set>
+                                      <p:cBhvr>
+                                        <p:cTn id="16" fill="hold"/>
+                                        <p:tgtEl>
+                                          <p:spTgt spid="67">
+                                            <p:txEl>
+                                              <p:pRg st="2" end="2"/>
+                                            </p:txEl>
+                                          </p:spTgt>
+                                        </p:tgtEl>
+                                        <p:attrNameLst>
+                                          <p:attrName>style.visibility</p:attrName>
+                                        </p:attrNameLst>
+                                      </p:cBhvr>
+                                      <p:to>
+                                        <p:strVal val="visible"/>
+                                      </p:to>
+                                    </p:set>
+                                  </p:childTnLst>
+                                </p:cTn>
+                              </p:par>
+                            </p:childTnLst>
+                          </p:cTn>
+                        </p:par>
+                      </p:childTnLst>
+                    </p:cTn>
+                  </p:par>
+                  <p:par>
+                    <p:cTn id="17" fill="hold">
+                      <p:stCondLst>
+                        <p:cond delay="indefinite"/>
+                      </p:stCondLst>
+                      <p:childTnLst>
+                        <p:par>
+                          <p:cTn id="18" fill="hold">
+                            <p:stCondLst>
+                              <p:cond delay="0"/>
+                            </p:stCondLst>
+                            <p:childTnLst>
+                              <p:par>
+                                <p:cTn id="19" nodeType="clickEffect" presetClass="entr" presetSubtype="0" presetID="1" grpId="1" fill="hold">
+                                  <p:stCondLst>
+                                    <p:cond delay="0"/>
+                                  </p:stCondLst>
+                                  <p:iterate type="el" backwards="0">
+                                    <p:tmAbs val="0"/>
+                                  </p:iterate>
+                                  <p:childTnLst>
+                                    <p:set>
+                                      <p:cBhvr>
+                                        <p:cTn id="20" fill="hold"/>
+                                        <p:tgtEl>
+                                          <p:spTgt spid="67">
+                                            <p:txEl>
+                                              <p:pRg st="3" end="3"/>
+                                            </p:txEl>
+                                          </p:spTgt>
+                                        </p:tgtEl>
+                                        <p:attrNameLst>
+                                          <p:attrName>style.visibility</p:attrName>
+                                        </p:attrNameLst>
+                                      </p:cBhvr>
+                                      <p:to>
+                                        <p:strVal val="visible"/>
+                                      </p:to>
+                                    </p:set>
+                                  </p:childTnLst>
+                                </p:cTn>
+                              </p:par>
+                            </p:childTnLst>
+                          </p:cTn>
+                        </p:par>
+                      </p:childTnLst>
+                    </p:cTn>
+                  </p:par>
+                  <p:par>
+                    <p:cTn id="21" fill="hold">
+                      <p:stCondLst>
+                        <p:cond delay="indefinite"/>
+                      </p:stCondLst>
+                      <p:childTnLst>
+                        <p:par>
+                          <p:cTn id="22" fill="hold">
+                            <p:stCondLst>
+                              <p:cond delay="0"/>
+                            </p:stCondLst>
+                            <p:childTnLst>
+                              <p:par>
+                                <p:cTn id="23" nodeType="clickEffect" presetClass="entr" presetSubtype="0" presetID="1" grpId="1" fill="hold">
+                                  <p:stCondLst>
+                                    <p:cond delay="0"/>
+                                  </p:stCondLst>
+                                  <p:iterate type="el" backwards="0">
+                                    <p:tmAbs val="0"/>
+                                  </p:iterate>
+                                  <p:childTnLst>
+                                    <p:set>
+                                      <p:cBhvr>
+                                        <p:cTn id="24" fill="hold"/>
+                                        <p:tgtEl>
+                                          <p:spTgt spid="67">
+                                            <p:txEl>
+                                              <p:pRg st="4" end="4"/>
+                                            </p:txEl>
+                                          </p:spTgt>
+                                        </p:tgtEl>
+                                        <p:attrNameLst>
+                                          <p:attrName>style.visibility</p:attrName>
+                                        </p:attrNameLst>
+                                      </p:cBhvr>
+                                      <p:to>
+                                        <p:strVal val="visible"/>
+                                      </p:to>
+                                    </p:set>
+                                  </p:childTnLst>
+                                </p:cTn>
+                              </p:par>
+                            </p:childTnLst>
+                          </p:cTn>
+                        </p:par>
+                      </p:childTnLst>
+                    </p:cTn>
+                  </p:par>
+                </p:childTnLst>
+              </p:cTn>
+              <p:prevCondLst>
+                <p:cond evt="onPrev">
+                  <p:tgtEl>
+                    <p:sldTgt/>
+                  </p:tgtEl>
+                </p:cond>
+              </p:prevCondLst>
+              <p:nextCondLst>
+                <p:cond evt="onNext">
+                  <p:tgtEl>
+                    <p:sldTgt/>
+                  </p:tgtEl>
+                </p:cond>
+              </p:nextCondLst>
+            </p:seq>
+          </p:childTnLst>
+        </p:cTn>
+      </p:par>
+    </p:tnLst>
+    <p:bldLst>
+      <p:bldP build="p" bldLvl="5" animBg="1" rev="0" advAuto="0" spid="67" grpId="1"/>
+    </p:bldLst>
+  </p:timing>
+</p:sld>
+</file>
+
 <file path=ppt/slides/slide6.xml><?xml version="1.0" encoding="utf-8"?>
 <p:sld xmlns:a="http://schemas.openxmlformats.org/drawingml/2006/main" xmlns:r="http://schemas.openxmlformats.org/officeDocument/2006/relationships" xmlns:p="http://schemas.openxmlformats.org/presentationml/2006/main" showMasterSp="1" showMasterPhAnim="1">
   <p:cSld>
@@ -5800,7 +8188,7 @@
       </p:grpSpPr>
       <p:sp>
         <p:nvSpPr>
-          <p:cNvPr id="64" name="Shape 64"/>
+          <p:cNvPr id="72" name="Shape 72"/>
           <p:cNvSpPr/>
           <p:nvPr>
             <p:ph type="title"/>
@@ -5809,7 +8197,7 @@
         <p:spPr>
           <a:xfrm>
             <a:off x="3984202" y="4079028"/>
-            <a:ext cx="5036395" cy="1595545"/>
+            <a:ext cx="5036396" cy="1595545"/>
           </a:xfrm>
           <a:prstGeom prst="rect">
             <a:avLst/>
@@ -5835,7 +8223,7 @@
       </p:sp>
       <p:grpSp>
         <p:nvGrpSpPr>
-          <p:cNvPr id="86" name="Group 86"/>
+          <p:cNvPr id="94" name="Group 94"/>
           <p:cNvGrpSpPr/>
           <p:nvPr/>
         </p:nvGrpSpPr>
@@ -5849,7 +8237,7 @@
         </p:grpSpPr>
         <p:sp>
           <p:nvSpPr>
-            <p:cNvPr id="65" name="Shape 65"/>
+            <p:cNvPr id="73" name="Shape 73"/>
             <p:cNvSpPr/>
             <p:nvPr/>
           </p:nvSpPr>
@@ -5898,7 +8286,7 @@
         </p:sp>
         <p:sp>
           <p:nvSpPr>
-            <p:cNvPr id="66" name="Shape 66"/>
+            <p:cNvPr id="74" name="Shape 74"/>
             <p:cNvSpPr/>
             <p:nvPr/>
           </p:nvSpPr>
@@ -5947,7 +8335,7 @@
         </p:sp>
         <p:sp>
           <p:nvSpPr>
-            <p:cNvPr id="67" name="Shape 67"/>
+            <p:cNvPr id="75" name="Shape 75"/>
             <p:cNvSpPr/>
             <p:nvPr/>
           </p:nvSpPr>
@@ -5996,7 +8384,7 @@
         </p:sp>
         <p:sp>
           <p:nvSpPr>
-            <p:cNvPr id="68" name="Shape 68"/>
+            <p:cNvPr id="76" name="Shape 76"/>
             <p:cNvSpPr/>
             <p:nvPr/>
           </p:nvSpPr>
@@ -6044,7 +8432,7 @@
         </p:sp>
         <p:sp>
           <p:nvSpPr>
-            <p:cNvPr id="69" name="Shape 69"/>
+            <p:cNvPr id="77" name="Shape 77"/>
             <p:cNvSpPr/>
             <p:nvPr/>
           </p:nvSpPr>
@@ -6093,14 +8481,14 @@
         </p:sp>
         <p:sp>
           <p:nvSpPr>
-            <p:cNvPr id="70" name="Shape 70"/>
+            <p:cNvPr id="78" name="Shape 78"/>
             <p:cNvSpPr/>
             <p:nvPr/>
           </p:nvSpPr>
           <p:spPr>
             <a:xfrm>
-              <a:off x="9912555" y="4661850"/>
-              <a:ext cx="1174803" cy="605038"/>
+              <a:off x="9912556" y="4661850"/>
+              <a:ext cx="1174802" cy="605038"/>
             </a:xfrm>
             <a:prstGeom prst="rect">
               <a:avLst/>
@@ -6142,13 +8530,13 @@
         </p:sp>
         <p:sp>
           <p:nvSpPr>
-            <p:cNvPr id="71" name="Shape 71"/>
+            <p:cNvPr id="79" name="Shape 79"/>
             <p:cNvSpPr/>
             <p:nvPr/>
           </p:nvSpPr>
           <p:spPr>
             <a:xfrm>
-              <a:off x="2326779" y="5244747"/>
+              <a:off x="2326779" y="5244748"/>
               <a:ext cx="6934102" cy="862857"/>
             </a:xfrm>
             <a:prstGeom prst="rect">
@@ -6191,7 +8579,7 @@
         </p:sp>
         <p:sp>
           <p:nvSpPr>
-            <p:cNvPr id="72" name="Shape 72"/>
+            <p:cNvPr id="80" name="Shape 80"/>
             <p:cNvSpPr/>
             <p:nvPr/>
           </p:nvSpPr>
@@ -6240,7 +8628,7 @@
         </p:sp>
         <p:sp>
           <p:nvSpPr>
-            <p:cNvPr id="73" name="Shape 73"/>
+            <p:cNvPr id="81" name="Shape 81"/>
             <p:cNvSpPr/>
             <p:nvPr/>
           </p:nvSpPr>
@@ -6289,14 +8677,14 @@
         </p:sp>
         <p:sp>
           <p:nvSpPr>
-            <p:cNvPr id="74" name="Shape 74"/>
+            <p:cNvPr id="82" name="Shape 82"/>
             <p:cNvSpPr/>
             <p:nvPr/>
           </p:nvSpPr>
           <p:spPr>
             <a:xfrm>
               <a:off x="1456660" y="7153361"/>
-              <a:ext cx="2446006" cy="546101"/>
+              <a:ext cx="2446005" cy="546101"/>
             </a:xfrm>
             <a:prstGeom prst="rect">
               <a:avLst/>
@@ -6338,7 +8726,7 @@
         </p:sp>
         <p:sp>
           <p:nvSpPr>
-            <p:cNvPr id="75" name="Shape 75"/>
+            <p:cNvPr id="83" name="Shape 83"/>
             <p:cNvSpPr/>
             <p:nvPr/>
           </p:nvSpPr>
@@ -6387,7 +8775,7 @@
         </p:sp>
         <p:sp>
           <p:nvSpPr>
-            <p:cNvPr id="76" name="Shape 76"/>
+            <p:cNvPr id="84" name="Shape 84"/>
             <p:cNvSpPr/>
             <p:nvPr/>
           </p:nvSpPr>
@@ -6436,7 +8824,7 @@
         </p:sp>
         <p:sp>
           <p:nvSpPr>
-            <p:cNvPr id="77" name="Shape 77"/>
+            <p:cNvPr id="85" name="Shape 85"/>
             <p:cNvSpPr/>
             <p:nvPr/>
           </p:nvSpPr>
@@ -6482,14 +8870,14 @@
         </p:sp>
         <p:sp>
           <p:nvSpPr>
-            <p:cNvPr id="78" name="Shape 78"/>
+            <p:cNvPr id="86" name="Shape 86"/>
             <p:cNvSpPr/>
             <p:nvPr/>
           </p:nvSpPr>
           <p:spPr>
             <a:xfrm>
               <a:off x="7763676" y="908881"/>
-              <a:ext cx="3926321" cy="508001"/>
+              <a:ext cx="3926320" cy="508001"/>
             </a:xfrm>
             <a:prstGeom prst="rect">
               <a:avLst/>
@@ -6528,7 +8916,7 @@
         </p:sp>
         <p:sp>
           <p:nvSpPr>
-            <p:cNvPr id="79" name="Shape 79"/>
+            <p:cNvPr id="87" name="Shape 87"/>
             <p:cNvSpPr/>
             <p:nvPr/>
           </p:nvSpPr>
@@ -6577,7 +8965,7 @@
         </p:sp>
         <p:sp>
           <p:nvSpPr>
-            <p:cNvPr id="80" name="Shape 80"/>
+            <p:cNvPr id="88" name="Shape 88"/>
             <p:cNvSpPr/>
             <p:nvPr/>
           </p:nvSpPr>
@@ -6619,14 +9007,14 @@
         </p:sp>
         <p:sp>
           <p:nvSpPr>
-            <p:cNvPr id="81" name="Shape 81"/>
+            <p:cNvPr id="89" name="Shape 89"/>
             <p:cNvSpPr/>
             <p:nvPr/>
           </p:nvSpPr>
           <p:spPr>
             <a:xfrm>
-              <a:off x="9784141" y="2361109"/>
-              <a:ext cx="1431630" cy="656582"/>
+              <a:off x="9784142" y="2361109"/>
+              <a:ext cx="1431629" cy="656582"/>
             </a:xfrm>
             <a:prstGeom prst="rect">
               <a:avLst/>
@@ -6668,7 +9056,7 @@
         </p:sp>
         <p:sp>
           <p:nvSpPr>
-            <p:cNvPr id="82" name="Shape 82"/>
+            <p:cNvPr id="90" name="Shape 90"/>
             <p:cNvSpPr/>
             <p:nvPr/>
           </p:nvSpPr>
@@ -6714,7 +9102,7 @@
         </p:sp>
         <p:sp>
           <p:nvSpPr>
-            <p:cNvPr id="83" name="Shape 83"/>
+            <p:cNvPr id="91" name="Shape 91"/>
             <p:cNvSpPr/>
             <p:nvPr/>
           </p:nvSpPr>
@@ -6763,7 +9151,7 @@
         </p:sp>
         <p:sp>
           <p:nvSpPr>
-            <p:cNvPr id="84" name="Shape 84"/>
+            <p:cNvPr id="92" name="Shape 92"/>
             <p:cNvSpPr/>
             <p:nvPr/>
           </p:nvSpPr>
@@ -6809,7 +9197,7 @@
         </p:sp>
         <p:sp>
           <p:nvSpPr>
-            <p:cNvPr id="85" name="Shape 85"/>
+            <p:cNvPr id="93" name="Shape 93"/>
             <p:cNvSpPr/>
             <p:nvPr/>
           </p:nvSpPr>
@@ -6859,7 +9247,7 @@
       </p:grpSp>
       <p:sp>
         <p:nvSpPr>
-          <p:cNvPr id="87" name="Shape 87"/>
+          <p:cNvPr id="95" name="Shape 95"/>
           <p:cNvSpPr/>
           <p:nvPr/>
         </p:nvSpPr>
@@ -6947,7 +9335,7 @@
                                       <p:cBhvr>
                                         <p:cTn id="6" fill="hold"/>
                                         <p:tgtEl>
-                                          <p:spTgt spid="64"/>
+                                          <p:spTgt spid="72"/>
                                         </p:tgtEl>
                                         <p:attrNameLst>
                                           <p:attrName>style.visibility</p:attrName>
@@ -6991,7 +9379,7 @@
                                       <p:cBhvr>
                                         <p:cTn id="10" fill="hold"/>
                                         <p:tgtEl>
-                                          <p:spTgt spid="86"/>
+                                          <p:spTgt spid="94"/>
                                         </p:tgtEl>
                                         <p:attrNameLst>
                                           <p:attrName>style.visibility</p:attrName>
@@ -7032,8 +9420,8 @@
       </p:par>
     </p:tnLst>
     <p:bldLst>
-      <p:bldP build="whole" bldLvl="1" animBg="1" rev="0" advAuto="0" spid="64" grpId="1"/>
-      <p:bldP build="whole" bldLvl="1" animBg="1" rev="0" advAuto="0" spid="86" grpId="2"/>
+      <p:bldP build="whole" bldLvl="1" animBg="1" rev="0" advAuto="0" spid="72" grpId="1"/>
+      <p:bldP build="whole" bldLvl="1" animBg="1" rev="0" advAuto="0" spid="94" grpId="2"/>
     </p:bldLst>
   </p:timing>
 </p:sld>
@@ -7058,7 +9446,7 @@
       </p:grpSpPr>
       <p:sp>
         <p:nvSpPr>
-          <p:cNvPr id="89" name="Shape 89"/>
+          <p:cNvPr id="99" name="Shape 99"/>
           <p:cNvSpPr/>
           <p:nvPr>
             <p:ph type="title"/>
@@ -7085,7 +9473,7 @@
       </p:sp>
       <p:sp>
         <p:nvSpPr>
-          <p:cNvPr id="90" name="Shape 90"/>
+          <p:cNvPr id="100" name="Shape 100"/>
           <p:cNvSpPr/>
           <p:nvPr>
             <p:ph type="body" idx="1"/>
@@ -7119,7 +9507,7 @@
       </p:sp>
       <p:sp>
         <p:nvSpPr>
-          <p:cNvPr id="91" name="Shape 91"/>
+          <p:cNvPr id="101" name="Shape 101"/>
           <p:cNvSpPr/>
           <p:nvPr/>
         </p:nvSpPr>
@@ -7207,7 +9595,7 @@
                                       <p:cBhvr>
                                         <p:cTn id="6" fill="hold"/>
                                         <p:tgtEl>
-                                          <p:spTgt spid="90">
+                                          <p:spTgt spid="100">
                                             <p:bg/>
                                           </p:spTgt>
                                         </p:tgtEl>
@@ -7235,7 +9623,7 @@
                                       <p:cBhvr>
                                         <p:cTn id="8" fill="hold"/>
                                         <p:tgtEl>
-                                          <p:spTgt spid="90">
+                                          <p:spTgt spid="100">
                                             <p:txEl>
                                               <p:pRg st="0" end="0"/>
                                             </p:txEl>
@@ -7280,7 +9668,7 @@
       </p:par>
     </p:tnLst>
     <p:bldLst>
-      <p:bldP build="p" bldLvl="5" animBg="1" rev="0" advAuto="0" spid="90" grpId="1"/>
+      <p:bldP build="p" bldLvl="5" animBg="1" rev="0" advAuto="0" spid="100" grpId="1"/>
     </p:bldLst>
   </p:timing>
 </p:sld>
@@ -7305,7 +9693,7 @@
       </p:grpSpPr>
       <p:sp>
         <p:nvSpPr>
-          <p:cNvPr id="93" name="Shape 93"/>
+          <p:cNvPr id="105" name="Shape 105"/>
           <p:cNvSpPr/>
           <p:nvPr>
             <p:ph type="title"/>
@@ -7332,7 +9720,7 @@
       </p:sp>
       <p:sp>
         <p:nvSpPr>
-          <p:cNvPr id="94" name="Shape 94"/>
+          <p:cNvPr id="106" name="Shape 106"/>
           <p:cNvSpPr/>
           <p:nvPr>
             <p:ph type="body" idx="1"/>
@@ -7359,14 +9747,14 @@
             </a:pPr>
             <a:r>
               <a:rPr sz="2700"/>
-              <a:t>screenshots</a:t>
+              <a:t>schema</a:t>
             </a:r>
           </a:p>
         </p:txBody>
       </p:sp>
       <p:sp>
         <p:nvSpPr>
-          <p:cNvPr id="95" name="Shape 95"/>
+          <p:cNvPr id="107" name="Shape 107"/>
           <p:cNvSpPr/>
           <p:nvPr/>
         </p:nvSpPr>
@@ -7454,7 +9842,7 @@
                                       <p:cBhvr>
                                         <p:cTn id="6" fill="hold"/>
                                         <p:tgtEl>
-                                          <p:spTgt spid="94">
+                                          <p:spTgt spid="106">
                                             <p:bg/>
                                           </p:spTgt>
                                         </p:tgtEl>
@@ -7482,7 +9870,7 @@
                                       <p:cBhvr>
                                         <p:cTn id="8" fill="hold"/>
                                         <p:tgtEl>
-                                          <p:spTgt spid="94">
+                                          <p:spTgt spid="106">
                                             <p:txEl>
                                               <p:pRg st="0" end="0"/>
                                             </p:txEl>
@@ -7527,7 +9915,7 @@
       </p:par>
     </p:tnLst>
     <p:bldLst>
-      <p:bldP build="p" bldLvl="5" animBg="1" rev="0" advAuto="0" spid="94" grpId="1"/>
+      <p:bldP build="p" bldLvl="5" animBg="1" rev="0" advAuto="0" spid="106" grpId="1"/>
     </p:bldLst>
   </p:timing>
 </p:sld>
@@ -7552,7 +9940,7 @@
       </p:grpSpPr>
       <p:sp>
         <p:nvSpPr>
-          <p:cNvPr id="97" name="Shape 97"/>
+          <p:cNvPr id="111" name="Shape 111"/>
           <p:cNvSpPr/>
           <p:nvPr>
             <p:ph type="title"/>
@@ -7572,14 +9960,14 @@
             </a:pPr>
             <a:r>
               <a:rPr sz="8000"/>
-              <a:t>implementation</a:t>
+              <a:t>design / architecture</a:t>
             </a:r>
           </a:p>
         </p:txBody>
       </p:sp>
       <p:sp>
         <p:nvSpPr>
-          <p:cNvPr id="98" name="Shape 98"/>
+          <p:cNvPr id="112" name="Shape 112"/>
           <p:cNvSpPr/>
           <p:nvPr>
             <p:ph type="body" idx="1"/>
@@ -7592,89 +9980,44 @@
         </p:spPr>
         <p:txBody>
           <a:bodyPr anchor="t"/>
-          <a:lstStyle/>
-          <a:p>
-            <a:pPr lvl="0" marL="513395" indent="-513395" defTabSz="449833">
+          <a:lstStyle>
+            <a:lvl1pPr marL="513395" indent="-513395" defTabSz="449833">
               <a:spcBef>
                 <a:spcPts val="3200"/>
               </a:spcBef>
-              <a:defRPr sz="1800"/>
-            </a:pPr>
-            <a:r>
-              <a:rPr sz="2700"/>
-              <a:t>Data Update Mechanism</a:t>
-            </a:r>
-            <a:endParaRPr sz="2700"/>
-          </a:p>
-          <a:p>
-            <a:pPr lvl="1" marL="855660" indent="-513395" defTabSz="449833">
+              <a:defRPr sz="2700"/>
+            </a:lvl1pPr>
+            <a:lvl2pPr marL="855660" indent="-513395" defTabSz="449833">
               <a:spcBef>
                 <a:spcPts val="3200"/>
               </a:spcBef>
+              <a:defRPr sz="2700"/>
+            </a:lvl2pPr>
+          </a:lstStyle>
+          <a:p>
+            <a:pPr lvl="0">
               <a:defRPr sz="1800"/>
             </a:pPr>
             <a:r>
               <a:rPr sz="2700"/>
-              <a:t>Checks for new data once a week and invokes a download if necessary</a:t>
+              <a:t>code</a:t>
             </a:r>
             <a:endParaRPr sz="2700"/>
           </a:p>
           <a:p>
-            <a:pPr lvl="1" marL="855660" indent="-513395" defTabSz="449833">
-              <a:spcBef>
-                <a:spcPts val="3200"/>
-              </a:spcBef>
+            <a:pPr lvl="1">
               <a:defRPr sz="1800"/>
             </a:pPr>
             <a:r>
               <a:rPr sz="2700"/>
-              <a:t>Stores / caches data in SQLite database</a:t>
-            </a:r>
-            <a:endParaRPr sz="2700"/>
-          </a:p>
-          <a:p>
-            <a:pPr lvl="0" marL="513395" indent="-513395" defTabSz="449833">
-              <a:spcBef>
-                <a:spcPts val="3200"/>
-              </a:spcBef>
-              <a:defRPr sz="1800"/>
-            </a:pPr>
-            <a:r>
-              <a:rPr sz="2700"/>
-              <a:t>Settings Activity</a:t>
-            </a:r>
-            <a:endParaRPr sz="2700"/>
-          </a:p>
-          <a:p>
-            <a:pPr lvl="1" marL="855660" indent="-513395" defTabSz="449833">
-              <a:spcBef>
-                <a:spcPts val="3200"/>
-              </a:spcBef>
-              <a:defRPr sz="1800"/>
-            </a:pPr>
-            <a:r>
-              <a:rPr sz="2700"/>
-              <a:t>Uses a custom slider control</a:t>
-            </a:r>
-            <a:endParaRPr sz="2700"/>
-          </a:p>
-          <a:p>
-            <a:pPr lvl="1" marL="855660" indent="-513395" defTabSz="449833">
-              <a:spcBef>
-                <a:spcPts val="3200"/>
-              </a:spcBef>
-              <a:defRPr sz="1800"/>
-            </a:pPr>
-            <a:r>
-              <a:rPr sz="2700"/>
-              <a:t>Stores settings in shared preferences</a:t>
+              <a:t>Pref</a:t>
             </a:r>
           </a:p>
         </p:txBody>
       </p:sp>
       <p:sp>
         <p:nvSpPr>
-          <p:cNvPr id="99" name="Shape 99"/>
+          <p:cNvPr id="113" name="Shape 113"/>
           <p:cNvSpPr/>
           <p:nvPr/>
         </p:nvSpPr>
@@ -7762,7 +10105,7 @@
                                       <p:cBhvr>
                                         <p:cTn id="6" fill="hold"/>
                                         <p:tgtEl>
-                                          <p:spTgt spid="98">
+                                          <p:spTgt spid="112">
                                             <p:bg/>
                                           </p:spTgt>
                                         </p:tgtEl>
@@ -7790,7 +10133,7 @@
                                       <p:cBhvr>
                                         <p:cTn id="8" fill="hold"/>
                                         <p:tgtEl>
-                                          <p:spTgt spid="98">
+                                          <p:spTgt spid="112">
                                             <p:txEl>
                                               <p:pRg st="0" end="0"/>
                                             </p:txEl>
@@ -7838,201 +10181,9 @@
                                       <p:cBhvr>
                                         <p:cTn id="12" fill="hold"/>
                                         <p:tgtEl>
-                                          <p:spTgt spid="98">
+                                          <p:spTgt spid="112">
                                             <p:txEl>
                                               <p:pRg st="1" end="1"/>
-                                            </p:txEl>
-                                          </p:spTgt>
-                                        </p:tgtEl>
-                                        <p:attrNameLst>
-                                          <p:attrName>style.visibility</p:attrName>
-                                        </p:attrNameLst>
-                                      </p:cBhvr>
-                                      <p:to>
-                                        <p:strVal val="visible"/>
-                                      </p:to>
-                                    </p:set>
-                                  </p:childTnLst>
-                                </p:cTn>
-                              </p:par>
-                            </p:childTnLst>
-                          </p:cTn>
-                        </p:par>
-                      </p:childTnLst>
-                    </p:cTn>
-                  </p:par>
-                  <p:par>
-                    <p:cTn id="13" fill="hold">
-                      <p:stCondLst>
-                        <p:cond delay="indefinite"/>
-                      </p:stCondLst>
-                      <p:childTnLst>
-                        <p:par>
-                          <p:cTn id="14" fill="hold">
-                            <p:stCondLst>
-                              <p:cond delay="0"/>
-                            </p:stCondLst>
-                            <p:childTnLst>
-                              <p:par>
-                                <p:cTn id="15" nodeType="clickEffect" presetClass="entr" presetSubtype="0" presetID="1" grpId="1" fill="hold">
-                                  <p:stCondLst>
-                                    <p:cond delay="0"/>
-                                  </p:stCondLst>
-                                  <p:iterate type="el" backwards="0">
-                                    <p:tmAbs val="0"/>
-                                  </p:iterate>
-                                  <p:childTnLst>
-                                    <p:set>
-                                      <p:cBhvr>
-                                        <p:cTn id="16" fill="hold"/>
-                                        <p:tgtEl>
-                                          <p:spTgt spid="98">
-                                            <p:txEl>
-                                              <p:pRg st="2" end="2"/>
-                                            </p:txEl>
-                                          </p:spTgt>
-                                        </p:tgtEl>
-                                        <p:attrNameLst>
-                                          <p:attrName>style.visibility</p:attrName>
-                                        </p:attrNameLst>
-                                      </p:cBhvr>
-                                      <p:to>
-                                        <p:strVal val="visible"/>
-                                      </p:to>
-                                    </p:set>
-                                  </p:childTnLst>
-                                </p:cTn>
-                              </p:par>
-                            </p:childTnLst>
-                          </p:cTn>
-                        </p:par>
-                      </p:childTnLst>
-                    </p:cTn>
-                  </p:par>
-                  <p:par>
-                    <p:cTn id="17" fill="hold">
-                      <p:stCondLst>
-                        <p:cond delay="indefinite"/>
-                      </p:stCondLst>
-                      <p:childTnLst>
-                        <p:par>
-                          <p:cTn id="18" fill="hold">
-                            <p:stCondLst>
-                              <p:cond delay="0"/>
-                            </p:stCondLst>
-                            <p:childTnLst>
-                              <p:par>
-                                <p:cTn id="19" nodeType="clickEffect" presetClass="entr" presetSubtype="0" presetID="1" grpId="1" fill="hold">
-                                  <p:stCondLst>
-                                    <p:cond delay="0"/>
-                                  </p:stCondLst>
-                                  <p:iterate type="el" backwards="0">
-                                    <p:tmAbs val="0"/>
-                                  </p:iterate>
-                                  <p:childTnLst>
-                                    <p:set>
-                                      <p:cBhvr>
-                                        <p:cTn id="20" fill="hold"/>
-                                        <p:tgtEl>
-                                          <p:spTgt spid="98">
-                                            <p:txEl>
-                                              <p:pRg st="3" end="3"/>
-                                            </p:txEl>
-                                          </p:spTgt>
-                                        </p:tgtEl>
-                                        <p:attrNameLst>
-                                          <p:attrName>style.visibility</p:attrName>
-                                        </p:attrNameLst>
-                                      </p:cBhvr>
-                                      <p:to>
-                                        <p:strVal val="visible"/>
-                                      </p:to>
-                                    </p:set>
-                                  </p:childTnLst>
-                                </p:cTn>
-                              </p:par>
-                            </p:childTnLst>
-                          </p:cTn>
-                        </p:par>
-                      </p:childTnLst>
-                    </p:cTn>
-                  </p:par>
-                  <p:par>
-                    <p:cTn id="21" fill="hold">
-                      <p:stCondLst>
-                        <p:cond delay="indefinite"/>
-                      </p:stCondLst>
-                      <p:childTnLst>
-                        <p:par>
-                          <p:cTn id="22" fill="hold">
-                            <p:stCondLst>
-                              <p:cond delay="0"/>
-                            </p:stCondLst>
-                            <p:childTnLst>
-                              <p:par>
-                                <p:cTn id="23" nodeType="clickEffect" presetClass="entr" presetSubtype="0" presetID="1" grpId="1" fill="hold">
-                                  <p:stCondLst>
-                                    <p:cond delay="0"/>
-                                  </p:stCondLst>
-                                  <p:iterate type="el" backwards="0">
-                                    <p:tmAbs val="0"/>
-                                  </p:iterate>
-                                  <p:childTnLst>
-                                    <p:set>
-                                      <p:cBhvr>
-                                        <p:cTn id="24" fill="hold"/>
-                                        <p:tgtEl>
-                                          <p:spTgt spid="98">
-                                            <p:txEl>
-                                              <p:pRg st="4" end="4"/>
-                                            </p:txEl>
-                                          </p:spTgt>
-                                        </p:tgtEl>
-                                        <p:attrNameLst>
-                                          <p:attrName>style.visibility</p:attrName>
-                                        </p:attrNameLst>
-                                      </p:cBhvr>
-                                      <p:to>
-                                        <p:strVal val="visible"/>
-                                      </p:to>
-                                    </p:set>
-                                  </p:childTnLst>
-                                </p:cTn>
-                              </p:par>
-                            </p:childTnLst>
-                          </p:cTn>
-                        </p:par>
-                      </p:childTnLst>
-                    </p:cTn>
-                  </p:par>
-                  <p:par>
-                    <p:cTn id="25" fill="hold">
-                      <p:stCondLst>
-                        <p:cond delay="indefinite"/>
-                      </p:stCondLst>
-                      <p:childTnLst>
-                        <p:par>
-                          <p:cTn id="26" fill="hold">
-                            <p:stCondLst>
-                              <p:cond delay="0"/>
-                            </p:stCondLst>
-                            <p:childTnLst>
-                              <p:par>
-                                <p:cTn id="27" nodeType="clickEffect" presetClass="entr" presetSubtype="0" presetID="1" grpId="1" fill="hold">
-                                  <p:stCondLst>
-                                    <p:cond delay="0"/>
-                                  </p:stCondLst>
-                                  <p:iterate type="el" backwards="0">
-                                    <p:tmAbs val="0"/>
-                                  </p:iterate>
-                                  <p:childTnLst>
-                                    <p:set>
-                                      <p:cBhvr>
-                                        <p:cTn id="28" fill="hold"/>
-                                        <p:tgtEl>
-                                          <p:spTgt spid="98">
-                                            <p:txEl>
-                                              <p:pRg st="5" end="5"/>
                                             </p:txEl>
                                           </p:spTgt>
                                         </p:tgtEl>
@@ -8075,7 +10226,7 @@
       </p:par>
     </p:tnLst>
     <p:bldLst>
-      <p:bldP build="p" bldLvl="5" animBg="1" rev="0" advAuto="0" spid="98" grpId="1"/>
+      <p:bldP build="p" bldLvl="5" animBg="1" rev="0" advAuto="0" spid="112" grpId="1"/>
     </p:bldLst>
   </p:timing>
 </p:sld>
